--- a/Commit_history.pptx
+++ b/Commit_history.pptx
@@ -6,6 +6,7 @@
   </p:sldMasterIdLst>
   <p:sldIdLst>
     <p:sldId id="256" r:id="rId2"/>
+    <p:sldId id="257" r:id="rId3"/>
   </p:sldIdLst>
   <p:sldSz cx="12192000" cy="6858000"/>
   <p:notesSz cx="6858000" cy="9144000"/>
@@ -243,7 +244,7 @@
           <a:p>
             <a:fld id="{B796DD1A-A33B-4F62-8DBF-F08FE9C2322F}" type="datetimeFigureOut">
               <a:rPr lang="ko-KR" altLang="en-US" smtClean="0"/>
-              <a:t>2023-05-13</a:t>
+              <a:t>2023-06-12</a:t>
             </a:fld>
             <a:endParaRPr lang="ko-KR" altLang="en-US"/>
           </a:p>
@@ -413,7 +414,7 @@
           <a:p>
             <a:fld id="{B796DD1A-A33B-4F62-8DBF-F08FE9C2322F}" type="datetimeFigureOut">
               <a:rPr lang="ko-KR" altLang="en-US" smtClean="0"/>
-              <a:t>2023-05-13</a:t>
+              <a:t>2023-06-12</a:t>
             </a:fld>
             <a:endParaRPr lang="ko-KR" altLang="en-US"/>
           </a:p>
@@ -593,7 +594,7 @@
           <a:p>
             <a:fld id="{B796DD1A-A33B-4F62-8DBF-F08FE9C2322F}" type="datetimeFigureOut">
               <a:rPr lang="ko-KR" altLang="en-US" smtClean="0"/>
-              <a:t>2023-05-13</a:t>
+              <a:t>2023-06-12</a:t>
             </a:fld>
             <a:endParaRPr lang="ko-KR" altLang="en-US"/>
           </a:p>
@@ -763,7 +764,7 @@
           <a:p>
             <a:fld id="{B796DD1A-A33B-4F62-8DBF-F08FE9C2322F}" type="datetimeFigureOut">
               <a:rPr lang="ko-KR" altLang="en-US" smtClean="0"/>
-              <a:t>2023-05-13</a:t>
+              <a:t>2023-06-12</a:t>
             </a:fld>
             <a:endParaRPr lang="ko-KR" altLang="en-US"/>
           </a:p>
@@ -1009,7 +1010,7 @@
           <a:p>
             <a:fld id="{B796DD1A-A33B-4F62-8DBF-F08FE9C2322F}" type="datetimeFigureOut">
               <a:rPr lang="ko-KR" altLang="en-US" smtClean="0"/>
-              <a:t>2023-05-13</a:t>
+              <a:t>2023-06-12</a:t>
             </a:fld>
             <a:endParaRPr lang="ko-KR" altLang="en-US"/>
           </a:p>
@@ -1241,7 +1242,7 @@
           <a:p>
             <a:fld id="{B796DD1A-A33B-4F62-8DBF-F08FE9C2322F}" type="datetimeFigureOut">
               <a:rPr lang="ko-KR" altLang="en-US" smtClean="0"/>
-              <a:t>2023-05-13</a:t>
+              <a:t>2023-06-12</a:t>
             </a:fld>
             <a:endParaRPr lang="ko-KR" altLang="en-US"/>
           </a:p>
@@ -1608,7 +1609,7 @@
           <a:p>
             <a:fld id="{B796DD1A-A33B-4F62-8DBF-F08FE9C2322F}" type="datetimeFigureOut">
               <a:rPr lang="ko-KR" altLang="en-US" smtClean="0"/>
-              <a:t>2023-05-13</a:t>
+              <a:t>2023-06-12</a:t>
             </a:fld>
             <a:endParaRPr lang="ko-KR" altLang="en-US"/>
           </a:p>
@@ -1726,7 +1727,7 @@
           <a:p>
             <a:fld id="{B796DD1A-A33B-4F62-8DBF-F08FE9C2322F}" type="datetimeFigureOut">
               <a:rPr lang="ko-KR" altLang="en-US" smtClean="0"/>
-              <a:t>2023-05-13</a:t>
+              <a:t>2023-06-12</a:t>
             </a:fld>
             <a:endParaRPr lang="ko-KR" altLang="en-US"/>
           </a:p>
@@ -1821,7 +1822,7 @@
           <a:p>
             <a:fld id="{B796DD1A-A33B-4F62-8DBF-F08FE9C2322F}" type="datetimeFigureOut">
               <a:rPr lang="ko-KR" altLang="en-US" smtClean="0"/>
-              <a:t>2023-05-13</a:t>
+              <a:t>2023-06-12</a:t>
             </a:fld>
             <a:endParaRPr lang="ko-KR" altLang="en-US"/>
           </a:p>
@@ -2098,7 +2099,7 @@
           <a:p>
             <a:fld id="{B796DD1A-A33B-4F62-8DBF-F08FE9C2322F}" type="datetimeFigureOut">
               <a:rPr lang="ko-KR" altLang="en-US" smtClean="0"/>
-              <a:t>2023-05-13</a:t>
+              <a:t>2023-06-12</a:t>
             </a:fld>
             <a:endParaRPr lang="ko-KR" altLang="en-US"/>
           </a:p>
@@ -2351,7 +2352,7 @@
           <a:p>
             <a:fld id="{B796DD1A-A33B-4F62-8DBF-F08FE9C2322F}" type="datetimeFigureOut">
               <a:rPr lang="ko-KR" altLang="en-US" smtClean="0"/>
-              <a:t>2023-05-13</a:t>
+              <a:t>2023-06-12</a:t>
             </a:fld>
             <a:endParaRPr lang="ko-KR" altLang="en-US"/>
           </a:p>
@@ -2564,7 +2565,7 @@
           <a:p>
             <a:fld id="{B796DD1A-A33B-4F62-8DBF-F08FE9C2322F}" type="datetimeFigureOut">
               <a:rPr lang="ko-KR" altLang="en-US" smtClean="0"/>
-              <a:t>2023-05-13</a:t>
+              <a:t>2023-06-12</a:t>
             </a:fld>
             <a:endParaRPr lang="ko-KR" altLang="en-US"/>
           </a:p>
@@ -6666,6 +6667,3172 @@
 </p:sld>
 </file>
 
+<file path=ppt/slides/slide2.xml><?xml version="1.0" encoding="utf-8"?>
+<p:sld xmlns:a="http://schemas.openxmlformats.org/drawingml/2006/main" xmlns:r="http://schemas.openxmlformats.org/officeDocument/2006/relationships" xmlns:p="http://schemas.openxmlformats.org/presentationml/2006/main">
+  <p:cSld>
+    <p:spTree>
+      <p:nvGrpSpPr>
+        <p:cNvPr id="1" name=""/>
+        <p:cNvGrpSpPr/>
+        <p:nvPr/>
+      </p:nvGrpSpPr>
+      <p:grpSpPr>
+        <a:xfrm>
+          <a:off x="0" y="0"/>
+          <a:ext cx="0" cy="0"/>
+          <a:chOff x="0" y="0"/>
+          <a:chExt cx="0" cy="0"/>
+        </a:xfrm>
+      </p:grpSpPr>
+      <p:grpSp>
+        <p:nvGrpSpPr>
+          <p:cNvPr id="86" name="그룹 85"/>
+          <p:cNvGrpSpPr/>
+          <p:nvPr/>
+        </p:nvGrpSpPr>
+        <p:grpSpPr>
+          <a:xfrm>
+            <a:off x="-1459129" y="863602"/>
+            <a:ext cx="14603629" cy="5130798"/>
+            <a:chOff x="-3097429" y="203202"/>
+            <a:chExt cx="14603629" cy="5130798"/>
+          </a:xfrm>
+        </p:grpSpPr>
+        <p:sp>
+          <p:nvSpPr>
+            <p:cNvPr id="216" name="직사각형 215"/>
+            <p:cNvSpPr/>
+            <p:nvPr/>
+          </p:nvSpPr>
+          <p:spPr>
+            <a:xfrm>
+              <a:off x="-3097429" y="203202"/>
+              <a:ext cx="14603629" cy="5130798"/>
+            </a:xfrm>
+            <a:prstGeom prst="rect">
+              <a:avLst/>
+            </a:prstGeom>
+            <a:solidFill>
+              <a:schemeClr val="bg1"/>
+            </a:solidFill>
+            <a:ln>
+              <a:solidFill>
+                <a:schemeClr val="tx1"/>
+              </a:solidFill>
+            </a:ln>
+          </p:spPr>
+          <p:style>
+            <a:lnRef idx="2">
+              <a:schemeClr val="accent1">
+                <a:shade val="50000"/>
+              </a:schemeClr>
+            </a:lnRef>
+            <a:fillRef idx="1">
+              <a:schemeClr val="accent1"/>
+            </a:fillRef>
+            <a:effectRef idx="0">
+              <a:schemeClr val="accent1"/>
+            </a:effectRef>
+            <a:fontRef idx="minor">
+              <a:schemeClr val="lt1"/>
+            </a:fontRef>
+          </p:style>
+          <p:txBody>
+            <a:bodyPr rtlCol="0" anchor="ctr"/>
+            <a:lstStyle/>
+            <a:p>
+              <a:pPr algn="ctr"/>
+              <a:endParaRPr lang="ko-KR" altLang="en-US"/>
+            </a:p>
+          </p:txBody>
+        </p:sp>
+        <p:grpSp>
+          <p:nvGrpSpPr>
+            <p:cNvPr id="190" name="그룹 189"/>
+            <p:cNvGrpSpPr/>
+            <p:nvPr/>
+          </p:nvGrpSpPr>
+          <p:grpSpPr>
+            <a:xfrm>
+              <a:off x="-2839195" y="500474"/>
+              <a:ext cx="4824817" cy="594985"/>
+              <a:chOff x="119905" y="132928"/>
+              <a:chExt cx="4824817" cy="594985"/>
+            </a:xfrm>
+          </p:grpSpPr>
+          <p:grpSp>
+            <p:nvGrpSpPr>
+              <p:cNvPr id="20" name="그룹 19"/>
+              <p:cNvGrpSpPr/>
+              <p:nvPr/>
+            </p:nvGrpSpPr>
+            <p:grpSpPr>
+              <a:xfrm>
+                <a:off x="119905" y="132928"/>
+                <a:ext cx="722204" cy="594985"/>
+                <a:chOff x="76201" y="3286125"/>
+                <a:chExt cx="722204" cy="594985"/>
+              </a:xfrm>
+            </p:grpSpPr>
+            <p:sp>
+              <p:nvSpPr>
+                <p:cNvPr id="21" name="타원 20"/>
+                <p:cNvSpPr/>
+                <p:nvPr/>
+              </p:nvSpPr>
+              <p:spPr>
+                <a:xfrm>
+                  <a:off x="76201" y="3286125"/>
+                  <a:ext cx="419100" cy="419100"/>
+                </a:xfrm>
+                <a:prstGeom prst="ellipse">
+                  <a:avLst/>
+                </a:prstGeom>
+                <a:ln w="28575"/>
+              </p:spPr>
+              <p:style>
+                <a:lnRef idx="2">
+                  <a:schemeClr val="dk1"/>
+                </a:lnRef>
+                <a:fillRef idx="1">
+                  <a:schemeClr val="lt1"/>
+                </a:fillRef>
+                <a:effectRef idx="0">
+                  <a:schemeClr val="dk1"/>
+                </a:effectRef>
+                <a:fontRef idx="minor">
+                  <a:schemeClr val="dk1"/>
+                </a:fontRef>
+              </p:style>
+              <p:txBody>
+                <a:bodyPr rot="0" spcFirstLastPara="0" vertOverflow="overflow" horzOverflow="overflow" vert="horz" wrap="square" lIns="91440" tIns="45720" rIns="91440" bIns="45720" numCol="1" spcCol="0" rtlCol="0" fromWordArt="0" anchor="ctr" anchorCtr="0" forceAA="0" compatLnSpc="1">
+                  <a:prstTxWarp prst="textNoShape">
+                    <a:avLst/>
+                  </a:prstTxWarp>
+                  <a:noAutofit/>
+                </a:bodyPr>
+                <a:lstStyle/>
+                <a:p>
+                  <a:pPr algn="ctr"/>
+                  <a:endParaRPr lang="ko-KR" altLang="en-US" dirty="0"/>
+                </a:p>
+              </p:txBody>
+            </p:sp>
+            <p:sp>
+              <p:nvSpPr>
+                <p:cNvPr id="22" name="TextBox 21"/>
+                <p:cNvSpPr txBox="1"/>
+                <p:nvPr/>
+              </p:nvSpPr>
+              <p:spPr>
+                <a:xfrm>
+                  <a:off x="299550" y="3619500"/>
+                  <a:ext cx="498855" cy="261610"/>
+                </a:xfrm>
+                <a:prstGeom prst="rect">
+                  <a:avLst/>
+                </a:prstGeom>
+                <a:noFill/>
+              </p:spPr>
+              <p:txBody>
+                <a:bodyPr wrap="none" rtlCol="0">
+                  <a:spAutoFit/>
+                </a:bodyPr>
+                <a:lstStyle/>
+                <a:p>
+                  <a:r>
+                    <a:rPr lang="en-US" altLang="ko-KR" sz="1100" dirty="0"/>
+                    <a:t>main</a:t>
+                  </a:r>
+                  <a:endParaRPr lang="ko-KR" altLang="en-US" sz="1100" dirty="0"/>
+                </a:p>
+              </p:txBody>
+            </p:sp>
+          </p:grpSp>
+          <p:grpSp>
+            <p:nvGrpSpPr>
+              <p:cNvPr id="23" name="그룹 22"/>
+              <p:cNvGrpSpPr/>
+              <p:nvPr/>
+            </p:nvGrpSpPr>
+            <p:grpSpPr>
+              <a:xfrm>
+                <a:off x="811261" y="132928"/>
+                <a:ext cx="831208" cy="594985"/>
+                <a:chOff x="76201" y="3286125"/>
+                <a:chExt cx="831208" cy="594985"/>
+              </a:xfrm>
+            </p:grpSpPr>
+            <p:sp>
+              <p:nvSpPr>
+                <p:cNvPr id="24" name="타원 23"/>
+                <p:cNvSpPr/>
+                <p:nvPr/>
+              </p:nvSpPr>
+              <p:spPr>
+                <a:xfrm>
+                  <a:off x="76201" y="3286125"/>
+                  <a:ext cx="419100" cy="419100"/>
+                </a:xfrm>
+                <a:prstGeom prst="ellipse">
+                  <a:avLst/>
+                </a:prstGeom>
+                <a:ln w="28575"/>
+              </p:spPr>
+              <p:style>
+                <a:lnRef idx="2">
+                  <a:schemeClr val="accent2"/>
+                </a:lnRef>
+                <a:fillRef idx="1">
+                  <a:schemeClr val="lt1"/>
+                </a:fillRef>
+                <a:effectRef idx="0">
+                  <a:schemeClr val="accent2"/>
+                </a:effectRef>
+                <a:fontRef idx="minor">
+                  <a:schemeClr val="dk1"/>
+                </a:fontRef>
+              </p:style>
+              <p:txBody>
+                <a:bodyPr rot="0" spcFirstLastPara="0" vertOverflow="overflow" horzOverflow="overflow" vert="horz" wrap="square" lIns="91440" tIns="45720" rIns="91440" bIns="45720" numCol="1" spcCol="0" rtlCol="0" fromWordArt="0" anchor="ctr" anchorCtr="0" forceAA="0" compatLnSpc="1">
+                  <a:prstTxWarp prst="textNoShape">
+                    <a:avLst/>
+                  </a:prstTxWarp>
+                  <a:noAutofit/>
+                </a:bodyPr>
+                <a:lstStyle/>
+                <a:p>
+                  <a:pPr algn="ctr"/>
+                  <a:endParaRPr lang="ko-KR" altLang="en-US" sz="1600" dirty="0"/>
+                </a:p>
+              </p:txBody>
+            </p:sp>
+            <p:sp>
+              <p:nvSpPr>
+                <p:cNvPr id="25" name="TextBox 24"/>
+                <p:cNvSpPr txBox="1"/>
+                <p:nvPr/>
+              </p:nvSpPr>
+              <p:spPr>
+                <a:xfrm>
+                  <a:off x="299550" y="3619500"/>
+                  <a:ext cx="607859" cy="261610"/>
+                </a:xfrm>
+                <a:prstGeom prst="rect">
+                  <a:avLst/>
+                </a:prstGeom>
+                <a:noFill/>
+              </p:spPr>
+              <p:txBody>
+                <a:bodyPr wrap="none" rtlCol="0">
+                  <a:spAutoFit/>
+                </a:bodyPr>
+                <a:lstStyle/>
+                <a:p>
+                  <a:r>
+                    <a:rPr lang="ko-KR" altLang="en-US" sz="1050" dirty="0" err="1"/>
+                    <a:t>김서해</a:t>
+                  </a:r>
+                  <a:endParaRPr lang="ko-KR" altLang="en-US" sz="1050" dirty="0"/>
+                </a:p>
+              </p:txBody>
+            </p:sp>
+          </p:grpSp>
+          <p:grpSp>
+            <p:nvGrpSpPr>
+              <p:cNvPr id="32" name="그룹 31"/>
+              <p:cNvGrpSpPr/>
+              <p:nvPr/>
+            </p:nvGrpSpPr>
+            <p:grpSpPr>
+              <a:xfrm>
+                <a:off x="1491505" y="132928"/>
+                <a:ext cx="831208" cy="594985"/>
+                <a:chOff x="76201" y="3286125"/>
+                <a:chExt cx="831208" cy="594985"/>
+              </a:xfrm>
+            </p:grpSpPr>
+            <p:sp>
+              <p:nvSpPr>
+                <p:cNvPr id="33" name="타원 32"/>
+                <p:cNvSpPr/>
+                <p:nvPr/>
+              </p:nvSpPr>
+              <p:spPr>
+                <a:xfrm>
+                  <a:off x="76201" y="3286125"/>
+                  <a:ext cx="419100" cy="419100"/>
+                </a:xfrm>
+                <a:prstGeom prst="ellipse">
+                  <a:avLst/>
+                </a:prstGeom>
+                <a:ln w="28575"/>
+              </p:spPr>
+              <p:style>
+                <a:lnRef idx="2">
+                  <a:schemeClr val="accent4"/>
+                </a:lnRef>
+                <a:fillRef idx="1">
+                  <a:schemeClr val="lt1"/>
+                </a:fillRef>
+                <a:effectRef idx="0">
+                  <a:schemeClr val="accent4"/>
+                </a:effectRef>
+                <a:fontRef idx="minor">
+                  <a:schemeClr val="dk1"/>
+                </a:fontRef>
+              </p:style>
+              <p:txBody>
+                <a:bodyPr rot="0" spcFirstLastPara="0" vertOverflow="overflow" horzOverflow="overflow" vert="horz" wrap="square" lIns="91440" tIns="45720" rIns="91440" bIns="45720" numCol="1" spcCol="0" rtlCol="0" fromWordArt="0" anchor="ctr" anchorCtr="0" forceAA="0" compatLnSpc="1">
+                  <a:prstTxWarp prst="textNoShape">
+                    <a:avLst/>
+                  </a:prstTxWarp>
+                  <a:noAutofit/>
+                </a:bodyPr>
+                <a:lstStyle/>
+                <a:p>
+                  <a:pPr algn="ctr"/>
+                  <a:endParaRPr lang="ko-KR" altLang="en-US" sz="1600" dirty="0"/>
+                </a:p>
+              </p:txBody>
+            </p:sp>
+            <p:sp>
+              <p:nvSpPr>
+                <p:cNvPr id="34" name="TextBox 33"/>
+                <p:cNvSpPr txBox="1"/>
+                <p:nvPr/>
+              </p:nvSpPr>
+              <p:spPr>
+                <a:xfrm>
+                  <a:off x="299550" y="3619500"/>
+                  <a:ext cx="607859" cy="261610"/>
+                </a:xfrm>
+                <a:prstGeom prst="rect">
+                  <a:avLst/>
+                </a:prstGeom>
+                <a:noFill/>
+              </p:spPr>
+              <p:txBody>
+                <a:bodyPr wrap="none" rtlCol="0">
+                  <a:spAutoFit/>
+                </a:bodyPr>
+                <a:lstStyle/>
+                <a:p>
+                  <a:r>
+                    <a:rPr lang="ko-KR" altLang="en-US" sz="1050" dirty="0"/>
+                    <a:t>김승진</a:t>
+                  </a:r>
+                </a:p>
+              </p:txBody>
+            </p:sp>
+          </p:grpSp>
+          <p:grpSp>
+            <p:nvGrpSpPr>
+              <p:cNvPr id="35" name="그룹 34"/>
+              <p:cNvGrpSpPr/>
+              <p:nvPr/>
+            </p:nvGrpSpPr>
+            <p:grpSpPr>
+              <a:xfrm>
+                <a:off x="2182861" y="132928"/>
+                <a:ext cx="831208" cy="594985"/>
+                <a:chOff x="76201" y="3286125"/>
+                <a:chExt cx="831208" cy="594985"/>
+              </a:xfrm>
+            </p:grpSpPr>
+            <p:sp>
+              <p:nvSpPr>
+                <p:cNvPr id="36" name="타원 35"/>
+                <p:cNvSpPr/>
+                <p:nvPr/>
+              </p:nvSpPr>
+              <p:spPr>
+                <a:xfrm>
+                  <a:off x="76201" y="3286125"/>
+                  <a:ext cx="419100" cy="419100"/>
+                </a:xfrm>
+                <a:prstGeom prst="ellipse">
+                  <a:avLst/>
+                </a:prstGeom>
+                <a:ln w="28575"/>
+              </p:spPr>
+              <p:style>
+                <a:lnRef idx="2">
+                  <a:schemeClr val="accent5"/>
+                </a:lnRef>
+                <a:fillRef idx="1">
+                  <a:schemeClr val="lt1"/>
+                </a:fillRef>
+                <a:effectRef idx="0">
+                  <a:schemeClr val="accent5"/>
+                </a:effectRef>
+                <a:fontRef idx="minor">
+                  <a:schemeClr val="dk1"/>
+                </a:fontRef>
+              </p:style>
+              <p:txBody>
+                <a:bodyPr rot="0" spcFirstLastPara="0" vertOverflow="overflow" horzOverflow="overflow" vert="horz" wrap="square" lIns="91440" tIns="45720" rIns="91440" bIns="45720" numCol="1" spcCol="0" rtlCol="0" fromWordArt="0" anchor="ctr" anchorCtr="0" forceAA="0" compatLnSpc="1">
+                  <a:prstTxWarp prst="textNoShape">
+                    <a:avLst/>
+                  </a:prstTxWarp>
+                  <a:noAutofit/>
+                </a:bodyPr>
+                <a:lstStyle/>
+                <a:p>
+                  <a:pPr algn="ctr"/>
+                  <a:endParaRPr lang="ko-KR" altLang="en-US" sz="1600" dirty="0"/>
+                </a:p>
+              </p:txBody>
+            </p:sp>
+            <p:sp>
+              <p:nvSpPr>
+                <p:cNvPr id="37" name="TextBox 36"/>
+                <p:cNvSpPr txBox="1"/>
+                <p:nvPr/>
+              </p:nvSpPr>
+              <p:spPr>
+                <a:xfrm>
+                  <a:off x="299550" y="3619500"/>
+                  <a:ext cx="607859" cy="261610"/>
+                </a:xfrm>
+                <a:prstGeom prst="rect">
+                  <a:avLst/>
+                </a:prstGeom>
+                <a:noFill/>
+              </p:spPr>
+              <p:txBody>
+                <a:bodyPr wrap="none" rtlCol="0">
+                  <a:spAutoFit/>
+                </a:bodyPr>
+                <a:lstStyle/>
+                <a:p>
+                  <a:r>
+                    <a:rPr lang="ko-KR" altLang="en-US" sz="1050" dirty="0" err="1"/>
+                    <a:t>임종승</a:t>
+                  </a:r>
+                  <a:endParaRPr lang="ko-KR" altLang="en-US" sz="1050" dirty="0"/>
+                </a:p>
+              </p:txBody>
+            </p:sp>
+          </p:grpSp>
+          <p:grpSp>
+            <p:nvGrpSpPr>
+              <p:cNvPr id="38" name="그룹 37"/>
+              <p:cNvGrpSpPr/>
+              <p:nvPr/>
+            </p:nvGrpSpPr>
+            <p:grpSpPr>
+              <a:xfrm>
+                <a:off x="2840086" y="132928"/>
+                <a:ext cx="831208" cy="594985"/>
+                <a:chOff x="76201" y="3286125"/>
+                <a:chExt cx="831208" cy="594985"/>
+              </a:xfrm>
+            </p:grpSpPr>
+            <p:sp>
+              <p:nvSpPr>
+                <p:cNvPr id="39" name="타원 38"/>
+                <p:cNvSpPr/>
+                <p:nvPr/>
+              </p:nvSpPr>
+              <p:spPr>
+                <a:xfrm>
+                  <a:off x="76201" y="3286125"/>
+                  <a:ext cx="419100" cy="419100"/>
+                </a:xfrm>
+                <a:prstGeom prst="ellipse">
+                  <a:avLst/>
+                </a:prstGeom>
+                <a:ln w="28575"/>
+              </p:spPr>
+              <p:style>
+                <a:lnRef idx="2">
+                  <a:schemeClr val="accent6"/>
+                </a:lnRef>
+                <a:fillRef idx="1">
+                  <a:schemeClr val="lt1"/>
+                </a:fillRef>
+                <a:effectRef idx="0">
+                  <a:schemeClr val="accent6"/>
+                </a:effectRef>
+                <a:fontRef idx="minor">
+                  <a:schemeClr val="dk1"/>
+                </a:fontRef>
+              </p:style>
+              <p:txBody>
+                <a:bodyPr rot="0" spcFirstLastPara="0" vertOverflow="overflow" horzOverflow="overflow" vert="horz" wrap="square" lIns="91440" tIns="45720" rIns="91440" bIns="45720" numCol="1" spcCol="0" rtlCol="0" fromWordArt="0" anchor="ctr" anchorCtr="0" forceAA="0" compatLnSpc="1">
+                  <a:prstTxWarp prst="textNoShape">
+                    <a:avLst/>
+                  </a:prstTxWarp>
+                  <a:noAutofit/>
+                </a:bodyPr>
+                <a:lstStyle/>
+                <a:p>
+                  <a:pPr algn="ctr"/>
+                  <a:endParaRPr lang="ko-KR" altLang="en-US" sz="1600" dirty="0"/>
+                </a:p>
+              </p:txBody>
+            </p:sp>
+            <p:sp>
+              <p:nvSpPr>
+                <p:cNvPr id="40" name="TextBox 39"/>
+                <p:cNvSpPr txBox="1"/>
+                <p:nvPr/>
+              </p:nvSpPr>
+              <p:spPr>
+                <a:xfrm>
+                  <a:off x="299550" y="3619500"/>
+                  <a:ext cx="607859" cy="261610"/>
+                </a:xfrm>
+                <a:prstGeom prst="rect">
+                  <a:avLst/>
+                </a:prstGeom>
+                <a:noFill/>
+              </p:spPr>
+              <p:txBody>
+                <a:bodyPr wrap="none" rtlCol="0">
+                  <a:spAutoFit/>
+                </a:bodyPr>
+                <a:lstStyle/>
+                <a:p>
+                  <a:r>
+                    <a:rPr lang="ko-KR" altLang="en-US" sz="1050" dirty="0" err="1"/>
+                    <a:t>허지범</a:t>
+                  </a:r>
+                  <a:endParaRPr lang="ko-KR" altLang="en-US" sz="1050" dirty="0"/>
+                </a:p>
+              </p:txBody>
+            </p:sp>
+          </p:grpSp>
+          <p:grpSp>
+            <p:nvGrpSpPr>
+              <p:cNvPr id="120" name="그룹 119"/>
+              <p:cNvGrpSpPr/>
+              <p:nvPr/>
+            </p:nvGrpSpPr>
+            <p:grpSpPr>
+              <a:xfrm>
+                <a:off x="3719176" y="132928"/>
+                <a:ext cx="1225546" cy="594985"/>
+                <a:chOff x="76201" y="3286125"/>
+                <a:chExt cx="1225546" cy="594985"/>
+              </a:xfrm>
+            </p:grpSpPr>
+            <p:sp>
+              <p:nvSpPr>
+                <p:cNvPr id="121" name="타원 120"/>
+                <p:cNvSpPr/>
+                <p:nvPr/>
+              </p:nvSpPr>
+              <p:spPr>
+                <a:xfrm>
+                  <a:off x="76201" y="3286125"/>
+                  <a:ext cx="419100" cy="419100"/>
+                </a:xfrm>
+                <a:prstGeom prst="ellipse">
+                  <a:avLst/>
+                </a:prstGeom>
+                <a:ln/>
+              </p:spPr>
+              <p:style>
+                <a:lnRef idx="1">
+                  <a:schemeClr val="dk1"/>
+                </a:lnRef>
+                <a:fillRef idx="2">
+                  <a:schemeClr val="dk1"/>
+                </a:fillRef>
+                <a:effectRef idx="1">
+                  <a:schemeClr val="dk1"/>
+                </a:effectRef>
+                <a:fontRef idx="minor">
+                  <a:schemeClr val="dk1"/>
+                </a:fontRef>
+              </p:style>
+              <p:txBody>
+                <a:bodyPr rot="0" spcFirstLastPara="0" vertOverflow="overflow" horzOverflow="overflow" vert="horz" wrap="square" lIns="91440" tIns="45720" rIns="91440" bIns="45720" numCol="1" spcCol="0" rtlCol="0" fromWordArt="0" anchor="ctr" anchorCtr="0" forceAA="0" compatLnSpc="1">
+                  <a:prstTxWarp prst="textNoShape">
+                    <a:avLst/>
+                  </a:prstTxWarp>
+                  <a:noAutofit/>
+                </a:bodyPr>
+                <a:lstStyle/>
+                <a:p>
+                  <a:pPr algn="ctr"/>
+                  <a:endParaRPr lang="ko-KR" altLang="en-US" dirty="0"/>
+                </a:p>
+              </p:txBody>
+            </p:sp>
+            <p:sp>
+              <p:nvSpPr>
+                <p:cNvPr id="122" name="TextBox 121"/>
+                <p:cNvSpPr txBox="1"/>
+                <p:nvPr/>
+              </p:nvSpPr>
+              <p:spPr>
+                <a:xfrm>
+                  <a:off x="299550" y="3619500"/>
+                  <a:ext cx="1002197" cy="261610"/>
+                </a:xfrm>
+                <a:prstGeom prst="rect">
+                  <a:avLst/>
+                </a:prstGeom>
+                <a:noFill/>
+              </p:spPr>
+              <p:txBody>
+                <a:bodyPr wrap="none" rtlCol="0">
+                  <a:spAutoFit/>
+                </a:bodyPr>
+                <a:lstStyle/>
+                <a:p>
+                  <a:r>
+                    <a:rPr lang="en-US" altLang="ko-KR" sz="1100" dirty="0" smtClean="0"/>
+                    <a:t>maintenance</a:t>
+                  </a:r>
+                  <a:endParaRPr lang="ko-KR" altLang="en-US" sz="1100" dirty="0"/>
+                </a:p>
+              </p:txBody>
+            </p:sp>
+          </p:grpSp>
+        </p:grpSp>
+        <p:grpSp>
+          <p:nvGrpSpPr>
+            <p:cNvPr id="84" name="그룹 83"/>
+            <p:cNvGrpSpPr/>
+            <p:nvPr/>
+          </p:nvGrpSpPr>
+          <p:grpSpPr>
+            <a:xfrm>
+              <a:off x="-2882899" y="1318081"/>
+              <a:ext cx="14206027" cy="3447355"/>
+              <a:chOff x="-2882899" y="1318081"/>
+              <a:chExt cx="14206027" cy="3447355"/>
+            </a:xfrm>
+          </p:grpSpPr>
+          <p:grpSp>
+            <p:nvGrpSpPr>
+              <p:cNvPr id="7" name="그룹 6"/>
+              <p:cNvGrpSpPr/>
+              <p:nvPr/>
+            </p:nvGrpSpPr>
+            <p:grpSpPr>
+              <a:xfrm>
+                <a:off x="-2882899" y="3108327"/>
+                <a:ext cx="1373023" cy="594985"/>
+                <a:chOff x="76201" y="3286125"/>
+                <a:chExt cx="1373023" cy="594985"/>
+              </a:xfrm>
+            </p:grpSpPr>
+            <p:sp>
+              <p:nvSpPr>
+                <p:cNvPr id="4" name="타원 3"/>
+                <p:cNvSpPr/>
+                <p:nvPr/>
+              </p:nvSpPr>
+              <p:spPr>
+                <a:xfrm>
+                  <a:off x="76201" y="3286125"/>
+                  <a:ext cx="419100" cy="419100"/>
+                </a:xfrm>
+                <a:prstGeom prst="ellipse">
+                  <a:avLst/>
+                </a:prstGeom>
+                <a:ln w="28575"/>
+              </p:spPr>
+              <p:style>
+                <a:lnRef idx="2">
+                  <a:schemeClr val="dk1"/>
+                </a:lnRef>
+                <a:fillRef idx="1">
+                  <a:schemeClr val="lt1"/>
+                </a:fillRef>
+                <a:effectRef idx="0">
+                  <a:schemeClr val="dk1"/>
+                </a:effectRef>
+                <a:fontRef idx="minor">
+                  <a:schemeClr val="dk1"/>
+                </a:fontRef>
+              </p:style>
+              <p:txBody>
+                <a:bodyPr rot="0" spcFirstLastPara="0" vertOverflow="overflow" horzOverflow="overflow" vert="horz" wrap="square" lIns="91440" tIns="45720" rIns="91440" bIns="45720" numCol="1" spcCol="0" rtlCol="0" fromWordArt="0" anchor="ctr" anchorCtr="0" forceAA="0" compatLnSpc="1">
+                  <a:prstTxWarp prst="textNoShape">
+                    <a:avLst/>
+                  </a:prstTxWarp>
+                  <a:noAutofit/>
+                </a:bodyPr>
+                <a:lstStyle/>
+                <a:p>
+                  <a:pPr algn="ctr"/>
+                  <a:r>
+                    <a:rPr lang="en-US" altLang="ko-KR" dirty="0"/>
+                    <a:t>0</a:t>
+                  </a:r>
+                  <a:endParaRPr lang="ko-KR" altLang="en-US" dirty="0"/>
+                </a:p>
+              </p:txBody>
+            </p:sp>
+            <p:sp>
+              <p:nvSpPr>
+                <p:cNvPr id="6" name="TextBox 5"/>
+                <p:cNvSpPr txBox="1"/>
+                <p:nvPr/>
+              </p:nvSpPr>
+              <p:spPr>
+                <a:xfrm>
+                  <a:off x="299550" y="3619500"/>
+                  <a:ext cx="1149674" cy="261610"/>
+                </a:xfrm>
+                <a:prstGeom prst="rect">
+                  <a:avLst/>
+                </a:prstGeom>
+                <a:noFill/>
+              </p:spPr>
+              <p:txBody>
+                <a:bodyPr wrap="none" rtlCol="0">
+                  <a:spAutoFit/>
+                </a:bodyPr>
+                <a:lstStyle/>
+                <a:p>
+                  <a:r>
+                    <a:rPr lang="en-US" altLang="ko-KR" sz="1100" dirty="0" err="1" smtClean="0"/>
+                    <a:t>Fisrt</a:t>
+                  </a:r>
+                  <a:r>
+                    <a:rPr lang="en-US" altLang="ko-KR" sz="1100" dirty="0" smtClean="0"/>
+                    <a:t> </a:t>
+                  </a:r>
+                  <a:r>
+                    <a:rPr lang="en-US" altLang="ko-KR" sz="1100" dirty="0" err="1" smtClean="0"/>
+                    <a:t>iter’s</a:t>
+                  </a:r>
+                  <a:r>
+                    <a:rPr lang="en-US" altLang="ko-KR" sz="1100" dirty="0" smtClean="0"/>
+                    <a:t> MVP</a:t>
+                  </a:r>
+                  <a:endParaRPr lang="ko-KR" altLang="en-US" sz="1100" dirty="0"/>
+                </a:p>
+              </p:txBody>
+            </p:sp>
+          </p:grpSp>
+          <p:grpSp>
+            <p:nvGrpSpPr>
+              <p:cNvPr id="8" name="그룹 7"/>
+              <p:cNvGrpSpPr/>
+              <p:nvPr/>
+            </p:nvGrpSpPr>
+            <p:grpSpPr>
+              <a:xfrm>
+                <a:off x="-1558924" y="3108327"/>
+                <a:ext cx="970669" cy="594985"/>
+                <a:chOff x="76201" y="3286125"/>
+                <a:chExt cx="970669" cy="594985"/>
+              </a:xfrm>
+            </p:grpSpPr>
+            <p:sp>
+              <p:nvSpPr>
+                <p:cNvPr id="9" name="타원 8"/>
+                <p:cNvSpPr/>
+                <p:nvPr/>
+              </p:nvSpPr>
+              <p:spPr>
+                <a:xfrm>
+                  <a:off x="76201" y="3286125"/>
+                  <a:ext cx="419100" cy="419100"/>
+                </a:xfrm>
+                <a:prstGeom prst="ellipse">
+                  <a:avLst/>
+                </a:prstGeom>
+                <a:ln w="28575"/>
+              </p:spPr>
+              <p:style>
+                <a:lnRef idx="2">
+                  <a:schemeClr val="dk1"/>
+                </a:lnRef>
+                <a:fillRef idx="1">
+                  <a:schemeClr val="lt1"/>
+                </a:fillRef>
+                <a:effectRef idx="0">
+                  <a:schemeClr val="dk1"/>
+                </a:effectRef>
+                <a:fontRef idx="minor">
+                  <a:schemeClr val="dk1"/>
+                </a:fontRef>
+              </p:style>
+              <p:txBody>
+                <a:bodyPr rot="0" spcFirstLastPara="0" vertOverflow="overflow" horzOverflow="overflow" vert="horz" wrap="square" lIns="91440" tIns="45720" rIns="91440" bIns="45720" numCol="1" spcCol="0" rtlCol="0" fromWordArt="0" anchor="ctr" anchorCtr="0" forceAA="0" compatLnSpc="1">
+                  <a:prstTxWarp prst="textNoShape">
+                    <a:avLst/>
+                  </a:prstTxWarp>
+                  <a:noAutofit/>
+                </a:bodyPr>
+                <a:lstStyle/>
+                <a:p>
+                  <a:pPr algn="ctr"/>
+                  <a:r>
+                    <a:rPr lang="en-US" altLang="ko-KR" dirty="0"/>
+                    <a:t>1</a:t>
+                  </a:r>
+                  <a:endParaRPr lang="ko-KR" altLang="en-US" dirty="0"/>
+                </a:p>
+              </p:txBody>
+            </p:sp>
+            <p:sp>
+              <p:nvSpPr>
+                <p:cNvPr id="10" name="TextBox 9"/>
+                <p:cNvSpPr txBox="1"/>
+                <p:nvPr/>
+              </p:nvSpPr>
+              <p:spPr>
+                <a:xfrm>
+                  <a:off x="299550" y="3619500"/>
+                  <a:ext cx="747320" cy="261610"/>
+                </a:xfrm>
+                <a:prstGeom prst="rect">
+                  <a:avLst/>
+                </a:prstGeom>
+                <a:noFill/>
+              </p:spPr>
+              <p:txBody>
+                <a:bodyPr wrap="none" rtlCol="0">
+                  <a:spAutoFit/>
+                </a:bodyPr>
+                <a:lstStyle/>
+                <a:p>
+                  <a:r>
+                    <a:rPr lang="en-US" altLang="ko-KR" sz="1100" dirty="0" err="1" smtClean="0"/>
+                    <a:t>git</a:t>
+                  </a:r>
+                  <a:r>
+                    <a:rPr lang="en-US" altLang="ko-KR" sz="1100" dirty="0" smtClean="0"/>
+                    <a:t> clone</a:t>
+                  </a:r>
+                  <a:endParaRPr lang="ko-KR" altLang="en-US" sz="1100" dirty="0"/>
+                </a:p>
+              </p:txBody>
+            </p:sp>
+          </p:grpSp>
+          <p:grpSp>
+            <p:nvGrpSpPr>
+              <p:cNvPr id="11" name="그룹 10"/>
+              <p:cNvGrpSpPr/>
+              <p:nvPr/>
+            </p:nvGrpSpPr>
+            <p:grpSpPr>
+              <a:xfrm>
+                <a:off x="2847077" y="3108327"/>
+                <a:ext cx="1406686" cy="594985"/>
+                <a:chOff x="76201" y="3286125"/>
+                <a:chExt cx="1406686" cy="594985"/>
+              </a:xfrm>
+            </p:grpSpPr>
+            <p:sp>
+              <p:nvSpPr>
+                <p:cNvPr id="12" name="타원 11"/>
+                <p:cNvSpPr/>
+                <p:nvPr/>
+              </p:nvSpPr>
+              <p:spPr>
+                <a:xfrm>
+                  <a:off x="76201" y="3286125"/>
+                  <a:ext cx="419100" cy="419100"/>
+                </a:xfrm>
+                <a:prstGeom prst="ellipse">
+                  <a:avLst/>
+                </a:prstGeom>
+                <a:ln w="28575"/>
+              </p:spPr>
+              <p:style>
+                <a:lnRef idx="2">
+                  <a:schemeClr val="dk1"/>
+                </a:lnRef>
+                <a:fillRef idx="1">
+                  <a:schemeClr val="lt1"/>
+                </a:fillRef>
+                <a:effectRef idx="0">
+                  <a:schemeClr val="dk1"/>
+                </a:effectRef>
+                <a:fontRef idx="minor">
+                  <a:schemeClr val="dk1"/>
+                </a:fontRef>
+              </p:style>
+              <p:txBody>
+                <a:bodyPr rot="0" spcFirstLastPara="0" vertOverflow="overflow" horzOverflow="overflow" vert="horz" wrap="square" lIns="91440" tIns="45720" rIns="91440" bIns="45720" numCol="1" spcCol="0" rtlCol="0" fromWordArt="0" anchor="ctr" anchorCtr="0" forceAA="0" compatLnSpc="1">
+                  <a:prstTxWarp prst="textNoShape">
+                    <a:avLst/>
+                  </a:prstTxWarp>
+                  <a:noAutofit/>
+                </a:bodyPr>
+                <a:lstStyle/>
+                <a:p>
+                  <a:pPr algn="ctr"/>
+                  <a:r>
+                    <a:rPr lang="en-US" altLang="ko-KR" dirty="0"/>
+                    <a:t>2</a:t>
+                  </a:r>
+                  <a:endParaRPr lang="ko-KR" altLang="en-US" dirty="0"/>
+                </a:p>
+              </p:txBody>
+            </p:sp>
+            <p:sp>
+              <p:nvSpPr>
+                <p:cNvPr id="13" name="TextBox 12"/>
+                <p:cNvSpPr txBox="1"/>
+                <p:nvPr/>
+              </p:nvSpPr>
+              <p:spPr>
+                <a:xfrm>
+                  <a:off x="299550" y="3619500"/>
+                  <a:ext cx="1183337" cy="261610"/>
+                </a:xfrm>
+                <a:prstGeom prst="rect">
+                  <a:avLst/>
+                </a:prstGeom>
+                <a:noFill/>
+              </p:spPr>
+              <p:txBody>
+                <a:bodyPr wrap="none" rtlCol="0">
+                  <a:spAutoFit/>
+                </a:bodyPr>
+                <a:lstStyle/>
+                <a:p>
+                  <a:r>
+                    <a:rPr lang="en-US" altLang="ko-KR" sz="1100" dirty="0" smtClean="0"/>
+                    <a:t>Branch manage</a:t>
+                  </a:r>
+                  <a:endParaRPr lang="ko-KR" altLang="en-US" sz="1100" dirty="0"/>
+                </a:p>
+              </p:txBody>
+            </p:sp>
+          </p:grpSp>
+          <p:cxnSp>
+            <p:nvCxnSpPr>
+              <p:cNvPr id="15" name="직선 화살표 연결선 14"/>
+              <p:cNvCxnSpPr>
+                <a:stCxn id="9" idx="2"/>
+                <a:endCxn id="4" idx="6"/>
+              </p:cNvCxnSpPr>
+              <p:nvPr/>
+            </p:nvCxnSpPr>
+            <p:spPr>
+              <a:xfrm flipH="1">
+                <a:off x="-2463797" y="3317875"/>
+                <a:ext cx="904875" cy="0"/>
+              </a:xfrm>
+              <a:prstGeom prst="straightConnector1">
+                <a:avLst/>
+              </a:prstGeom>
+              <a:ln w="19050">
+                <a:solidFill>
+                  <a:schemeClr val="tx1"/>
+                </a:solidFill>
+                <a:tailEnd type="triangle"/>
+              </a:ln>
+            </p:spPr>
+            <p:style>
+              <a:lnRef idx="1">
+                <a:schemeClr val="accent1"/>
+              </a:lnRef>
+              <a:fillRef idx="0">
+                <a:schemeClr val="accent1"/>
+              </a:fillRef>
+              <a:effectRef idx="0">
+                <a:schemeClr val="accent1"/>
+              </a:effectRef>
+              <a:fontRef idx="minor">
+                <a:schemeClr val="tx1"/>
+              </a:fontRef>
+            </p:style>
+          </p:cxnSp>
+          <p:cxnSp>
+            <p:nvCxnSpPr>
+              <p:cNvPr id="17" name="직선 화살표 연결선 16"/>
+              <p:cNvCxnSpPr>
+                <a:stCxn id="12" idx="2"/>
+                <a:endCxn id="9" idx="6"/>
+              </p:cNvCxnSpPr>
+              <p:nvPr/>
+            </p:nvCxnSpPr>
+            <p:spPr>
+              <a:xfrm flipH="1">
+                <a:off x="-1139824" y="3317877"/>
+                <a:ext cx="3986901" cy="0"/>
+              </a:xfrm>
+              <a:prstGeom prst="straightConnector1">
+                <a:avLst/>
+              </a:prstGeom>
+              <a:ln w="19050">
+                <a:solidFill>
+                  <a:schemeClr val="tx1"/>
+                </a:solidFill>
+                <a:tailEnd type="triangle"/>
+              </a:ln>
+            </p:spPr>
+            <p:style>
+              <a:lnRef idx="1">
+                <a:schemeClr val="accent1"/>
+              </a:lnRef>
+              <a:fillRef idx="0">
+                <a:schemeClr val="accent1"/>
+              </a:fillRef>
+              <a:effectRef idx="0">
+                <a:schemeClr val="accent1"/>
+              </a:effectRef>
+              <a:fontRef idx="minor">
+                <a:schemeClr val="tx1"/>
+              </a:fontRef>
+            </p:style>
+          </p:cxnSp>
+          <p:grpSp>
+            <p:nvGrpSpPr>
+              <p:cNvPr id="41" name="그룹 40"/>
+              <p:cNvGrpSpPr/>
+              <p:nvPr/>
+            </p:nvGrpSpPr>
+            <p:grpSpPr>
+              <a:xfrm>
+                <a:off x="-1557501" y="2075192"/>
+                <a:ext cx="946624" cy="587291"/>
+                <a:chOff x="76201" y="3286125"/>
+                <a:chExt cx="946624" cy="587291"/>
+              </a:xfrm>
+            </p:grpSpPr>
+            <p:sp>
+              <p:nvSpPr>
+                <p:cNvPr id="42" name="타원 41"/>
+                <p:cNvSpPr/>
+                <p:nvPr/>
+              </p:nvSpPr>
+              <p:spPr>
+                <a:xfrm>
+                  <a:off x="76201" y="3286125"/>
+                  <a:ext cx="419100" cy="419100"/>
+                </a:xfrm>
+                <a:prstGeom prst="ellipse">
+                  <a:avLst/>
+                </a:prstGeom>
+                <a:ln w="28575"/>
+              </p:spPr>
+              <p:style>
+                <a:lnRef idx="2">
+                  <a:schemeClr val="accent4"/>
+                </a:lnRef>
+                <a:fillRef idx="1">
+                  <a:schemeClr val="lt1"/>
+                </a:fillRef>
+                <a:effectRef idx="0">
+                  <a:schemeClr val="accent4"/>
+                </a:effectRef>
+                <a:fontRef idx="minor">
+                  <a:schemeClr val="dk1"/>
+                </a:fontRef>
+              </p:style>
+              <p:txBody>
+                <a:bodyPr rot="0" spcFirstLastPara="0" vertOverflow="overflow" horzOverflow="overflow" vert="horz" wrap="square" lIns="91440" tIns="45720" rIns="91440" bIns="45720" numCol="1" spcCol="0" rtlCol="0" fromWordArt="0" anchor="ctr" anchorCtr="0" forceAA="0" compatLnSpc="1">
+                  <a:prstTxWarp prst="textNoShape">
+                    <a:avLst/>
+                  </a:prstTxWarp>
+                  <a:noAutofit/>
+                </a:bodyPr>
+                <a:lstStyle/>
+                <a:p>
+                  <a:pPr algn="ctr"/>
+                  <a:endParaRPr lang="ko-KR" altLang="en-US" sz="1600" dirty="0"/>
+                </a:p>
+              </p:txBody>
+            </p:sp>
+            <p:sp>
+              <p:nvSpPr>
+                <p:cNvPr id="43" name="TextBox 42"/>
+                <p:cNvSpPr txBox="1"/>
+                <p:nvPr/>
+              </p:nvSpPr>
+              <p:spPr>
+                <a:xfrm>
+                  <a:off x="299550" y="3619500"/>
+                  <a:ext cx="723275" cy="253916"/>
+                </a:xfrm>
+                <a:prstGeom prst="rect">
+                  <a:avLst/>
+                </a:prstGeom>
+                <a:noFill/>
+              </p:spPr>
+              <p:txBody>
+                <a:bodyPr wrap="none" rtlCol="0">
+                  <a:spAutoFit/>
+                </a:bodyPr>
+                <a:lstStyle/>
+                <a:p>
+                  <a:r>
+                    <a:rPr lang="en-US" altLang="ko-KR" sz="1050" dirty="0" err="1" smtClean="0"/>
+                    <a:t>git</a:t>
+                  </a:r>
+                  <a:r>
+                    <a:rPr lang="en-US" altLang="ko-KR" sz="1050" dirty="0" smtClean="0"/>
+                    <a:t> clone</a:t>
+                  </a:r>
+                  <a:endParaRPr lang="ko-KR" altLang="en-US" sz="1050" dirty="0"/>
+                </a:p>
+              </p:txBody>
+            </p:sp>
+          </p:grpSp>
+          <p:grpSp>
+            <p:nvGrpSpPr>
+              <p:cNvPr id="98" name="그룹 97"/>
+              <p:cNvGrpSpPr/>
+              <p:nvPr/>
+            </p:nvGrpSpPr>
+            <p:grpSpPr>
+              <a:xfrm>
+                <a:off x="4864788" y="4178145"/>
+                <a:ext cx="1348978" cy="587291"/>
+                <a:chOff x="76201" y="3286125"/>
+                <a:chExt cx="1348978" cy="587291"/>
+              </a:xfrm>
+            </p:grpSpPr>
+            <p:sp>
+              <p:nvSpPr>
+                <p:cNvPr id="99" name="타원 98"/>
+                <p:cNvSpPr/>
+                <p:nvPr/>
+              </p:nvSpPr>
+              <p:spPr>
+                <a:xfrm>
+                  <a:off x="76201" y="3286125"/>
+                  <a:ext cx="419100" cy="419100"/>
+                </a:xfrm>
+                <a:prstGeom prst="ellipse">
+                  <a:avLst/>
+                </a:prstGeom>
+                <a:ln w="28575"/>
+              </p:spPr>
+              <p:style>
+                <a:lnRef idx="2">
+                  <a:schemeClr val="accent2"/>
+                </a:lnRef>
+                <a:fillRef idx="1">
+                  <a:schemeClr val="lt1"/>
+                </a:fillRef>
+                <a:effectRef idx="0">
+                  <a:schemeClr val="accent2"/>
+                </a:effectRef>
+                <a:fontRef idx="minor">
+                  <a:schemeClr val="dk1"/>
+                </a:fontRef>
+              </p:style>
+              <p:txBody>
+                <a:bodyPr rot="0" spcFirstLastPara="0" vertOverflow="overflow" horzOverflow="overflow" vert="horz" wrap="square" lIns="91440" tIns="45720" rIns="91440" bIns="45720" numCol="1" spcCol="0" rtlCol="0" fromWordArt="0" anchor="ctr" anchorCtr="0" forceAA="0" compatLnSpc="1">
+                  <a:prstTxWarp prst="textNoShape">
+                    <a:avLst/>
+                  </a:prstTxWarp>
+                  <a:noAutofit/>
+                </a:bodyPr>
+                <a:lstStyle/>
+                <a:p>
+                  <a:pPr algn="ctr"/>
+                  <a:endParaRPr lang="ko-KR" altLang="en-US" sz="1600" dirty="0"/>
+                </a:p>
+              </p:txBody>
+            </p:sp>
+            <p:sp>
+              <p:nvSpPr>
+                <p:cNvPr id="100" name="TextBox 99"/>
+                <p:cNvSpPr txBox="1"/>
+                <p:nvPr/>
+              </p:nvSpPr>
+              <p:spPr>
+                <a:xfrm>
+                  <a:off x="299550" y="3619500"/>
+                  <a:ext cx="1125629" cy="253916"/>
+                </a:xfrm>
+                <a:prstGeom prst="rect">
+                  <a:avLst/>
+                </a:prstGeom>
+                <a:noFill/>
+              </p:spPr>
+              <p:txBody>
+                <a:bodyPr wrap="none" rtlCol="0">
+                  <a:spAutoFit/>
+                </a:bodyPr>
+                <a:lstStyle/>
+                <a:p>
+                  <a:r>
+                    <a:rPr lang="en-US" altLang="ko-KR" sz="1050" dirty="0" smtClean="0"/>
+                    <a:t>Commit history</a:t>
+                  </a:r>
+                  <a:endParaRPr lang="ko-KR" altLang="en-US" sz="1050" dirty="0"/>
+                </a:p>
+              </p:txBody>
+            </p:sp>
+          </p:grpSp>
+          <p:grpSp>
+            <p:nvGrpSpPr>
+              <p:cNvPr id="101" name="그룹 100"/>
+              <p:cNvGrpSpPr/>
+              <p:nvPr/>
+            </p:nvGrpSpPr>
+            <p:grpSpPr>
+              <a:xfrm>
+                <a:off x="4864788" y="1318081"/>
+                <a:ext cx="1010744" cy="587291"/>
+                <a:chOff x="76201" y="3286125"/>
+                <a:chExt cx="1010744" cy="587291"/>
+              </a:xfrm>
+            </p:grpSpPr>
+            <p:sp>
+              <p:nvSpPr>
+                <p:cNvPr id="102" name="타원 101"/>
+                <p:cNvSpPr/>
+                <p:nvPr/>
+              </p:nvSpPr>
+              <p:spPr>
+                <a:xfrm>
+                  <a:off x="76201" y="3286125"/>
+                  <a:ext cx="419100" cy="419100"/>
+                </a:xfrm>
+                <a:prstGeom prst="ellipse">
+                  <a:avLst/>
+                </a:prstGeom>
+                <a:ln w="28575"/>
+              </p:spPr>
+              <p:style>
+                <a:lnRef idx="2">
+                  <a:schemeClr val="accent5"/>
+                </a:lnRef>
+                <a:fillRef idx="1">
+                  <a:schemeClr val="lt1"/>
+                </a:fillRef>
+                <a:effectRef idx="0">
+                  <a:schemeClr val="accent5"/>
+                </a:effectRef>
+                <a:fontRef idx="minor">
+                  <a:schemeClr val="dk1"/>
+                </a:fontRef>
+              </p:style>
+              <p:txBody>
+                <a:bodyPr rot="0" spcFirstLastPara="0" vertOverflow="overflow" horzOverflow="overflow" vert="horz" wrap="square" lIns="91440" tIns="45720" rIns="91440" bIns="45720" numCol="1" spcCol="0" rtlCol="0" fromWordArt="0" anchor="ctr" anchorCtr="0" forceAA="0" compatLnSpc="1">
+                  <a:prstTxWarp prst="textNoShape">
+                    <a:avLst/>
+                  </a:prstTxWarp>
+                  <a:noAutofit/>
+                </a:bodyPr>
+                <a:lstStyle/>
+                <a:p>
+                  <a:pPr algn="ctr"/>
+                  <a:endParaRPr lang="ko-KR" altLang="en-US" sz="1600" dirty="0"/>
+                </a:p>
+              </p:txBody>
+            </p:sp>
+            <p:sp>
+              <p:nvSpPr>
+                <p:cNvPr id="103" name="TextBox 102"/>
+                <p:cNvSpPr txBox="1"/>
+                <p:nvPr/>
+              </p:nvSpPr>
+              <p:spPr>
+                <a:xfrm>
+                  <a:off x="299550" y="3619500"/>
+                  <a:ext cx="787395" cy="253916"/>
+                </a:xfrm>
+                <a:prstGeom prst="rect">
+                  <a:avLst/>
+                </a:prstGeom>
+                <a:noFill/>
+              </p:spPr>
+              <p:txBody>
+                <a:bodyPr wrap="none" rtlCol="0">
+                  <a:spAutoFit/>
+                </a:bodyPr>
+                <a:lstStyle/>
+                <a:p>
+                  <a:r>
+                    <a:rPr lang="en-US" altLang="ko-KR" sz="1050" dirty="0" err="1" smtClean="0"/>
+                    <a:t>git</a:t>
+                  </a:r>
+                  <a:r>
+                    <a:rPr lang="en-US" altLang="ko-KR" sz="1050" dirty="0" smtClean="0"/>
+                    <a:t> merge</a:t>
+                  </a:r>
+                  <a:endParaRPr lang="ko-KR" altLang="en-US" sz="1050" dirty="0"/>
+                </a:p>
+              </p:txBody>
+            </p:sp>
+          </p:grpSp>
+          <p:grpSp>
+            <p:nvGrpSpPr>
+              <p:cNvPr id="104" name="그룹 103"/>
+              <p:cNvGrpSpPr/>
+              <p:nvPr/>
+            </p:nvGrpSpPr>
+            <p:grpSpPr>
+              <a:xfrm>
+                <a:off x="-1215939" y="1318081"/>
+                <a:ext cx="991508" cy="587291"/>
+                <a:chOff x="76201" y="3286125"/>
+                <a:chExt cx="991508" cy="587291"/>
+              </a:xfrm>
+            </p:grpSpPr>
+            <p:sp>
+              <p:nvSpPr>
+                <p:cNvPr id="105" name="타원 104"/>
+                <p:cNvSpPr/>
+                <p:nvPr/>
+              </p:nvSpPr>
+              <p:spPr>
+                <a:xfrm>
+                  <a:off x="76201" y="3286125"/>
+                  <a:ext cx="419100" cy="419100"/>
+                </a:xfrm>
+                <a:prstGeom prst="ellipse">
+                  <a:avLst/>
+                </a:prstGeom>
+                <a:ln w="28575"/>
+              </p:spPr>
+              <p:style>
+                <a:lnRef idx="2">
+                  <a:schemeClr val="accent6"/>
+                </a:lnRef>
+                <a:fillRef idx="1">
+                  <a:schemeClr val="lt1"/>
+                </a:fillRef>
+                <a:effectRef idx="0">
+                  <a:schemeClr val="accent6"/>
+                </a:effectRef>
+                <a:fontRef idx="minor">
+                  <a:schemeClr val="dk1"/>
+                </a:fontRef>
+              </p:style>
+              <p:txBody>
+                <a:bodyPr rot="0" spcFirstLastPara="0" vertOverflow="overflow" horzOverflow="overflow" vert="horz" wrap="square" lIns="91440" tIns="45720" rIns="91440" bIns="45720" numCol="1" spcCol="0" rtlCol="0" fromWordArt="0" anchor="ctr" anchorCtr="0" forceAA="0" compatLnSpc="1">
+                  <a:prstTxWarp prst="textNoShape">
+                    <a:avLst/>
+                  </a:prstTxWarp>
+                  <a:noAutofit/>
+                </a:bodyPr>
+                <a:lstStyle/>
+                <a:p>
+                  <a:pPr algn="ctr"/>
+                  <a:endParaRPr lang="ko-KR" altLang="en-US" sz="1600" dirty="0"/>
+                </a:p>
+              </p:txBody>
+            </p:sp>
+            <p:sp>
+              <p:nvSpPr>
+                <p:cNvPr id="106" name="TextBox 105"/>
+                <p:cNvSpPr txBox="1"/>
+                <p:nvPr/>
+              </p:nvSpPr>
+              <p:spPr>
+                <a:xfrm>
+                  <a:off x="299550" y="3619500"/>
+                  <a:ext cx="768159" cy="253916"/>
+                </a:xfrm>
+                <a:prstGeom prst="rect">
+                  <a:avLst/>
+                </a:prstGeom>
+                <a:noFill/>
+              </p:spPr>
+              <p:txBody>
+                <a:bodyPr wrap="none" rtlCol="0">
+                  <a:spAutoFit/>
+                </a:bodyPr>
+                <a:lstStyle/>
+                <a:p>
+                  <a:r>
+                    <a:rPr lang="en-US" altLang="ko-KR" sz="1050" dirty="0" err="1" smtClean="0"/>
+                    <a:t>git</a:t>
+                  </a:r>
+                  <a:r>
+                    <a:rPr lang="en-US" altLang="ko-KR" sz="1050" dirty="0" smtClean="0"/>
+                    <a:t> create</a:t>
+                  </a:r>
+                  <a:endParaRPr lang="ko-KR" altLang="en-US" sz="1050" dirty="0"/>
+                </a:p>
+              </p:txBody>
+            </p:sp>
+          </p:grpSp>
+          <p:cxnSp>
+            <p:nvCxnSpPr>
+              <p:cNvPr id="115" name="꺾인 연결선 114"/>
+              <p:cNvCxnSpPr>
+                <a:stCxn id="105" idx="2"/>
+                <a:endCxn id="4" idx="0"/>
+              </p:cNvCxnSpPr>
+              <p:nvPr/>
+            </p:nvCxnSpPr>
+            <p:spPr>
+              <a:xfrm rot="10800000" flipV="1">
+                <a:off x="-2673349" y="1527631"/>
+                <a:ext cx="1457410" cy="1580696"/>
+              </a:xfrm>
+              <a:prstGeom prst="bentConnector2">
+                <a:avLst/>
+              </a:prstGeom>
+              <a:ln w="28575">
+                <a:tailEnd type="triangle"/>
+              </a:ln>
+            </p:spPr>
+            <p:style>
+              <a:lnRef idx="1">
+                <a:schemeClr val="accent6"/>
+              </a:lnRef>
+              <a:fillRef idx="0">
+                <a:schemeClr val="accent6"/>
+              </a:fillRef>
+              <a:effectRef idx="0">
+                <a:schemeClr val="accent6"/>
+              </a:effectRef>
+              <a:fontRef idx="minor">
+                <a:schemeClr val="tx1"/>
+              </a:fontRef>
+            </p:style>
+          </p:cxnSp>
+          <p:cxnSp>
+            <p:nvCxnSpPr>
+              <p:cNvPr id="117" name="꺾인 연결선 116"/>
+              <p:cNvCxnSpPr>
+                <a:stCxn id="99" idx="2"/>
+                <a:endCxn id="4" idx="4"/>
+              </p:cNvCxnSpPr>
+              <p:nvPr/>
+            </p:nvCxnSpPr>
+            <p:spPr>
+              <a:xfrm rot="10800000">
+                <a:off x="-2673348" y="3527427"/>
+                <a:ext cx="7538137" cy="860268"/>
+              </a:xfrm>
+              <a:prstGeom prst="bentConnector2">
+                <a:avLst/>
+              </a:prstGeom>
+              <a:ln w="28575">
+                <a:tailEnd type="triangle"/>
+              </a:ln>
+            </p:spPr>
+            <p:style>
+              <a:lnRef idx="1">
+                <a:schemeClr val="accent2"/>
+              </a:lnRef>
+              <a:fillRef idx="0">
+                <a:schemeClr val="accent2"/>
+              </a:fillRef>
+              <a:effectRef idx="0">
+                <a:schemeClr val="accent2"/>
+              </a:effectRef>
+              <a:fontRef idx="minor">
+                <a:schemeClr val="tx1"/>
+              </a:fontRef>
+            </p:style>
+          </p:cxnSp>
+          <p:cxnSp>
+            <p:nvCxnSpPr>
+              <p:cNvPr id="147" name="직선 화살표 연결선 146"/>
+              <p:cNvCxnSpPr>
+                <a:stCxn id="221" idx="2"/>
+                <a:endCxn id="203" idx="6"/>
+              </p:cNvCxnSpPr>
+              <p:nvPr/>
+            </p:nvCxnSpPr>
+            <p:spPr>
+              <a:xfrm flipH="1">
+                <a:off x="7661918" y="3317877"/>
+                <a:ext cx="2328262" cy="0"/>
+              </a:xfrm>
+              <a:prstGeom prst="straightConnector1">
+                <a:avLst/>
+              </a:prstGeom>
+              <a:ln w="19050">
+                <a:tailEnd type="triangle"/>
+              </a:ln>
+            </p:spPr>
+            <p:style>
+              <a:lnRef idx="1">
+                <a:schemeClr val="dk1"/>
+              </a:lnRef>
+              <a:fillRef idx="0">
+                <a:schemeClr val="dk1"/>
+              </a:fillRef>
+              <a:effectRef idx="0">
+                <a:schemeClr val="dk1"/>
+              </a:effectRef>
+              <a:fontRef idx="minor">
+                <a:schemeClr val="tx1"/>
+              </a:fontRef>
+            </p:style>
+          </p:cxnSp>
+          <p:cxnSp>
+            <p:nvCxnSpPr>
+              <p:cNvPr id="170" name="직선 화살표 연결선 169"/>
+              <p:cNvCxnSpPr>
+                <a:stCxn id="137" idx="2"/>
+                <a:endCxn id="105" idx="6"/>
+              </p:cNvCxnSpPr>
+              <p:nvPr/>
+            </p:nvCxnSpPr>
+            <p:spPr>
+              <a:xfrm flipH="1">
+                <a:off x="-796839" y="1527631"/>
+                <a:ext cx="490646" cy="0"/>
+              </a:xfrm>
+              <a:prstGeom prst="straightConnector1">
+                <a:avLst/>
+              </a:prstGeom>
+              <a:ln w="19050">
+                <a:solidFill>
+                  <a:schemeClr val="accent6"/>
+                </a:solidFill>
+                <a:tailEnd type="triangle"/>
+              </a:ln>
+            </p:spPr>
+            <p:style>
+              <a:lnRef idx="1">
+                <a:schemeClr val="dk1"/>
+              </a:lnRef>
+              <a:fillRef idx="0">
+                <a:schemeClr val="dk1"/>
+              </a:fillRef>
+              <a:effectRef idx="0">
+                <a:schemeClr val="dk1"/>
+              </a:effectRef>
+              <a:fontRef idx="minor">
+                <a:schemeClr val="tx1"/>
+              </a:fontRef>
+            </p:style>
+          </p:cxnSp>
+          <p:cxnSp>
+            <p:nvCxnSpPr>
+              <p:cNvPr id="180" name="직선 화살표 연결선 179"/>
+              <p:cNvCxnSpPr>
+                <a:stCxn id="12" idx="0"/>
+                <a:endCxn id="160" idx="4"/>
+              </p:cNvCxnSpPr>
+              <p:nvPr/>
+            </p:nvCxnSpPr>
+            <p:spPr>
+              <a:xfrm flipV="1">
+                <a:off x="3056627" y="1737181"/>
+                <a:ext cx="4081" cy="1371146"/>
+              </a:xfrm>
+              <a:prstGeom prst="straightConnector1">
+                <a:avLst/>
+              </a:prstGeom>
+              <a:ln w="19050">
+                <a:tailEnd type="triangle"/>
+              </a:ln>
+            </p:spPr>
+            <p:style>
+              <a:lnRef idx="1">
+                <a:schemeClr val="dk1"/>
+              </a:lnRef>
+              <a:fillRef idx="0">
+                <a:schemeClr val="dk1"/>
+              </a:fillRef>
+              <a:effectRef idx="0">
+                <a:schemeClr val="dk1"/>
+              </a:effectRef>
+              <a:fontRef idx="minor">
+                <a:schemeClr val="tx1"/>
+              </a:fontRef>
+            </p:style>
+          </p:cxnSp>
+          <p:grpSp>
+            <p:nvGrpSpPr>
+              <p:cNvPr id="194" name="그룹 193"/>
+              <p:cNvGrpSpPr/>
+              <p:nvPr/>
+            </p:nvGrpSpPr>
+            <p:grpSpPr>
+              <a:xfrm>
+                <a:off x="7245687" y="4170451"/>
+                <a:ext cx="839223" cy="594985"/>
+                <a:chOff x="76201" y="3286125"/>
+                <a:chExt cx="839223" cy="594985"/>
+              </a:xfrm>
+            </p:grpSpPr>
+            <p:sp>
+              <p:nvSpPr>
+                <p:cNvPr id="195" name="타원 194"/>
+                <p:cNvSpPr/>
+                <p:nvPr/>
+              </p:nvSpPr>
+              <p:spPr>
+                <a:xfrm>
+                  <a:off x="76201" y="3286125"/>
+                  <a:ext cx="419100" cy="419100"/>
+                </a:xfrm>
+                <a:prstGeom prst="ellipse">
+                  <a:avLst/>
+                </a:prstGeom>
+                <a:ln/>
+              </p:spPr>
+              <p:style>
+                <a:lnRef idx="1">
+                  <a:schemeClr val="dk1"/>
+                </a:lnRef>
+                <a:fillRef idx="2">
+                  <a:schemeClr val="dk1"/>
+                </a:fillRef>
+                <a:effectRef idx="1">
+                  <a:schemeClr val="dk1"/>
+                </a:effectRef>
+                <a:fontRef idx="minor">
+                  <a:schemeClr val="dk1"/>
+                </a:fontRef>
+              </p:style>
+              <p:txBody>
+                <a:bodyPr rot="0" spcFirstLastPara="0" vertOverflow="overflow" horzOverflow="overflow" vert="horz" wrap="square" lIns="91440" tIns="45720" rIns="91440" bIns="45720" numCol="1" spcCol="0" rtlCol="0" fromWordArt="0" anchor="ctr" anchorCtr="0" forceAA="0" compatLnSpc="1">
+                  <a:prstTxWarp prst="textNoShape">
+                    <a:avLst/>
+                  </a:prstTxWarp>
+                  <a:noAutofit/>
+                </a:bodyPr>
+                <a:lstStyle/>
+                <a:p>
+                  <a:pPr algn="ctr"/>
+                  <a:endParaRPr lang="ko-KR" altLang="en-US" dirty="0"/>
+                </a:p>
+              </p:txBody>
+            </p:sp>
+            <p:sp>
+              <p:nvSpPr>
+                <p:cNvPr id="196" name="TextBox 195"/>
+                <p:cNvSpPr txBox="1"/>
+                <p:nvPr/>
+              </p:nvSpPr>
+              <p:spPr>
+                <a:xfrm>
+                  <a:off x="299550" y="3619500"/>
+                  <a:ext cx="615874" cy="261610"/>
+                </a:xfrm>
+                <a:prstGeom prst="rect">
+                  <a:avLst/>
+                </a:prstGeom>
+                <a:noFill/>
+              </p:spPr>
+              <p:txBody>
+                <a:bodyPr wrap="none" rtlCol="0">
+                  <a:spAutoFit/>
+                </a:bodyPr>
+                <a:lstStyle/>
+                <a:p>
+                  <a:r>
+                    <a:rPr lang="en-US" altLang="ko-KR" sz="1100" dirty="0" smtClean="0"/>
+                    <a:t>UI edit</a:t>
+                  </a:r>
+                  <a:endParaRPr lang="ko-KR" altLang="en-US" sz="1100" dirty="0"/>
+                </a:p>
+              </p:txBody>
+            </p:sp>
+          </p:grpSp>
+          <p:cxnSp>
+            <p:nvCxnSpPr>
+              <p:cNvPr id="118" name="꺾인 연결선 117"/>
+              <p:cNvCxnSpPr>
+                <a:stCxn id="42" idx="2"/>
+                <a:endCxn id="4" idx="0"/>
+              </p:cNvCxnSpPr>
+              <p:nvPr/>
+            </p:nvCxnSpPr>
+            <p:spPr>
+              <a:xfrm rot="10800000" flipV="1">
+                <a:off x="-2673349" y="2284741"/>
+                <a:ext cx="1115848" cy="823585"/>
+              </a:xfrm>
+              <a:prstGeom prst="bentConnector2">
+                <a:avLst/>
+              </a:prstGeom>
+              <a:ln w="28575">
+                <a:solidFill>
+                  <a:schemeClr val="accent4"/>
+                </a:solidFill>
+                <a:tailEnd type="triangle"/>
+              </a:ln>
+            </p:spPr>
+            <p:style>
+              <a:lnRef idx="1">
+                <a:schemeClr val="accent2"/>
+              </a:lnRef>
+              <a:fillRef idx="0">
+                <a:schemeClr val="accent2"/>
+              </a:fillRef>
+              <a:effectRef idx="0">
+                <a:schemeClr val="accent2"/>
+              </a:effectRef>
+              <a:fontRef idx="minor">
+                <a:schemeClr val="tx1"/>
+              </a:fontRef>
+            </p:style>
+          </p:cxnSp>
+          <p:cxnSp>
+            <p:nvCxnSpPr>
+              <p:cNvPr id="135" name="직선 화살표 연결선 134"/>
+              <p:cNvCxnSpPr>
+                <a:stCxn id="9" idx="0"/>
+                <a:endCxn id="42" idx="4"/>
+              </p:cNvCxnSpPr>
+              <p:nvPr/>
+            </p:nvCxnSpPr>
+            <p:spPr>
+              <a:xfrm flipV="1">
+                <a:off x="-1349374" y="2494292"/>
+                <a:ext cx="1423" cy="614035"/>
+              </a:xfrm>
+              <a:prstGeom prst="straightConnector1">
+                <a:avLst/>
+              </a:prstGeom>
+              <a:ln w="19050">
+                <a:solidFill>
+                  <a:schemeClr val="tx1"/>
+                </a:solidFill>
+                <a:tailEnd type="triangle"/>
+              </a:ln>
+            </p:spPr>
+            <p:style>
+              <a:lnRef idx="1">
+                <a:schemeClr val="dk1"/>
+              </a:lnRef>
+              <a:fillRef idx="0">
+                <a:schemeClr val="dk1"/>
+              </a:fillRef>
+              <a:effectRef idx="0">
+                <a:schemeClr val="dk1"/>
+              </a:effectRef>
+              <a:fontRef idx="minor">
+                <a:schemeClr val="tx1"/>
+              </a:fontRef>
+            </p:style>
+          </p:cxnSp>
+          <p:grpSp>
+            <p:nvGrpSpPr>
+              <p:cNvPr id="136" name="그룹 135"/>
+              <p:cNvGrpSpPr/>
+              <p:nvPr/>
+            </p:nvGrpSpPr>
+            <p:grpSpPr>
+              <a:xfrm>
+                <a:off x="-306193" y="1318081"/>
+                <a:ext cx="1010744" cy="587291"/>
+                <a:chOff x="76201" y="3286125"/>
+                <a:chExt cx="1010744" cy="587291"/>
+              </a:xfrm>
+            </p:grpSpPr>
+            <p:sp>
+              <p:nvSpPr>
+                <p:cNvPr id="137" name="타원 136"/>
+                <p:cNvSpPr/>
+                <p:nvPr/>
+              </p:nvSpPr>
+              <p:spPr>
+                <a:xfrm>
+                  <a:off x="76201" y="3286125"/>
+                  <a:ext cx="419100" cy="419100"/>
+                </a:xfrm>
+                <a:prstGeom prst="ellipse">
+                  <a:avLst/>
+                </a:prstGeom>
+                <a:ln w="28575"/>
+              </p:spPr>
+              <p:style>
+                <a:lnRef idx="2">
+                  <a:schemeClr val="accent6"/>
+                </a:lnRef>
+                <a:fillRef idx="1">
+                  <a:schemeClr val="lt1"/>
+                </a:fillRef>
+                <a:effectRef idx="0">
+                  <a:schemeClr val="accent6"/>
+                </a:effectRef>
+                <a:fontRef idx="minor">
+                  <a:schemeClr val="dk1"/>
+                </a:fontRef>
+              </p:style>
+              <p:txBody>
+                <a:bodyPr rot="0" spcFirstLastPara="0" vertOverflow="overflow" horzOverflow="overflow" vert="horz" wrap="square" lIns="91440" tIns="45720" rIns="91440" bIns="45720" numCol="1" spcCol="0" rtlCol="0" fromWordArt="0" anchor="ctr" anchorCtr="0" forceAA="0" compatLnSpc="1">
+                  <a:prstTxWarp prst="textNoShape">
+                    <a:avLst/>
+                  </a:prstTxWarp>
+                  <a:noAutofit/>
+                </a:bodyPr>
+                <a:lstStyle/>
+                <a:p>
+                  <a:pPr algn="ctr"/>
+                  <a:endParaRPr lang="ko-KR" altLang="en-US" sz="1600" dirty="0"/>
+                </a:p>
+              </p:txBody>
+            </p:sp>
+            <p:sp>
+              <p:nvSpPr>
+                <p:cNvPr id="138" name="TextBox 137"/>
+                <p:cNvSpPr txBox="1"/>
+                <p:nvPr/>
+              </p:nvSpPr>
+              <p:spPr>
+                <a:xfrm>
+                  <a:off x="299550" y="3619500"/>
+                  <a:ext cx="787395" cy="253916"/>
+                </a:xfrm>
+                <a:prstGeom prst="rect">
+                  <a:avLst/>
+                </a:prstGeom>
+                <a:noFill/>
+              </p:spPr>
+              <p:txBody>
+                <a:bodyPr wrap="none" rtlCol="0">
+                  <a:spAutoFit/>
+                </a:bodyPr>
+                <a:lstStyle/>
+                <a:p>
+                  <a:r>
+                    <a:rPr lang="en-US" altLang="ko-KR" sz="1050" dirty="0" err="1" smtClean="0"/>
+                    <a:t>git</a:t>
+                  </a:r>
+                  <a:r>
+                    <a:rPr lang="en-US" altLang="ko-KR" sz="1050" dirty="0" smtClean="0"/>
+                    <a:t> Delete</a:t>
+                  </a:r>
+                  <a:endParaRPr lang="ko-KR" altLang="en-US" sz="1050" dirty="0"/>
+                </a:p>
+              </p:txBody>
+            </p:sp>
+          </p:grpSp>
+          <p:grpSp>
+            <p:nvGrpSpPr>
+              <p:cNvPr id="140" name="그룹 139"/>
+              <p:cNvGrpSpPr/>
+              <p:nvPr/>
+            </p:nvGrpSpPr>
+            <p:grpSpPr>
+              <a:xfrm>
+                <a:off x="623288" y="1318081"/>
+                <a:ext cx="1078070" cy="587291"/>
+                <a:chOff x="76201" y="3286125"/>
+                <a:chExt cx="1078070" cy="587291"/>
+              </a:xfrm>
+            </p:grpSpPr>
+            <p:sp>
+              <p:nvSpPr>
+                <p:cNvPr id="142" name="타원 141"/>
+                <p:cNvSpPr/>
+                <p:nvPr/>
+              </p:nvSpPr>
+              <p:spPr>
+                <a:xfrm>
+                  <a:off x="76201" y="3286125"/>
+                  <a:ext cx="419100" cy="419100"/>
+                </a:xfrm>
+                <a:prstGeom prst="ellipse">
+                  <a:avLst/>
+                </a:prstGeom>
+                <a:ln w="28575"/>
+              </p:spPr>
+              <p:style>
+                <a:lnRef idx="2">
+                  <a:schemeClr val="accent6"/>
+                </a:lnRef>
+                <a:fillRef idx="1">
+                  <a:schemeClr val="lt1"/>
+                </a:fillRef>
+                <a:effectRef idx="0">
+                  <a:schemeClr val="accent6"/>
+                </a:effectRef>
+                <a:fontRef idx="minor">
+                  <a:schemeClr val="dk1"/>
+                </a:fontRef>
+              </p:style>
+              <p:txBody>
+                <a:bodyPr rot="0" spcFirstLastPara="0" vertOverflow="overflow" horzOverflow="overflow" vert="horz" wrap="square" lIns="91440" tIns="45720" rIns="91440" bIns="45720" numCol="1" spcCol="0" rtlCol="0" fromWordArt="0" anchor="ctr" anchorCtr="0" forceAA="0" compatLnSpc="1">
+                  <a:prstTxWarp prst="textNoShape">
+                    <a:avLst/>
+                  </a:prstTxWarp>
+                  <a:noAutofit/>
+                </a:bodyPr>
+                <a:lstStyle/>
+                <a:p>
+                  <a:pPr algn="ctr"/>
+                  <a:endParaRPr lang="ko-KR" altLang="en-US" sz="1600" dirty="0"/>
+                </a:p>
+              </p:txBody>
+            </p:sp>
+            <p:sp>
+              <p:nvSpPr>
+                <p:cNvPr id="144" name="TextBox 143"/>
+                <p:cNvSpPr txBox="1"/>
+                <p:nvPr/>
+              </p:nvSpPr>
+              <p:spPr>
+                <a:xfrm>
+                  <a:off x="299550" y="3619500"/>
+                  <a:ext cx="854721" cy="253916"/>
+                </a:xfrm>
+                <a:prstGeom prst="rect">
+                  <a:avLst/>
+                </a:prstGeom>
+                <a:noFill/>
+              </p:spPr>
+              <p:txBody>
+                <a:bodyPr wrap="none" rtlCol="0">
+                  <a:spAutoFit/>
+                </a:bodyPr>
+                <a:lstStyle/>
+                <a:p>
+                  <a:r>
+                    <a:rPr lang="en-US" altLang="ko-KR" sz="1050" dirty="0" err="1" smtClean="0"/>
+                    <a:t>git</a:t>
+                  </a:r>
+                  <a:r>
+                    <a:rPr lang="en-US" altLang="ko-KR" sz="1050" dirty="0" smtClean="0"/>
+                    <a:t> rename</a:t>
+                  </a:r>
+                  <a:endParaRPr lang="ko-KR" altLang="en-US" sz="1050" dirty="0"/>
+                </a:p>
+              </p:txBody>
+            </p:sp>
+          </p:grpSp>
+          <p:grpSp>
+            <p:nvGrpSpPr>
+              <p:cNvPr id="146" name="그룹 145"/>
+              <p:cNvGrpSpPr/>
+              <p:nvPr/>
+            </p:nvGrpSpPr>
+            <p:grpSpPr>
+              <a:xfrm>
+                <a:off x="1692628" y="1318081"/>
+                <a:ext cx="1169442" cy="587291"/>
+                <a:chOff x="76201" y="3286125"/>
+                <a:chExt cx="1169442" cy="587291"/>
+              </a:xfrm>
+            </p:grpSpPr>
+            <p:sp>
+              <p:nvSpPr>
+                <p:cNvPr id="151" name="타원 150"/>
+                <p:cNvSpPr/>
+                <p:nvPr/>
+              </p:nvSpPr>
+              <p:spPr>
+                <a:xfrm>
+                  <a:off x="76201" y="3286125"/>
+                  <a:ext cx="419100" cy="419100"/>
+                </a:xfrm>
+                <a:prstGeom prst="ellipse">
+                  <a:avLst/>
+                </a:prstGeom>
+                <a:ln w="28575"/>
+              </p:spPr>
+              <p:style>
+                <a:lnRef idx="2">
+                  <a:schemeClr val="accent6"/>
+                </a:lnRef>
+                <a:fillRef idx="1">
+                  <a:schemeClr val="lt1"/>
+                </a:fillRef>
+                <a:effectRef idx="0">
+                  <a:schemeClr val="accent6"/>
+                </a:effectRef>
+                <a:fontRef idx="minor">
+                  <a:schemeClr val="dk1"/>
+                </a:fontRef>
+              </p:style>
+              <p:txBody>
+                <a:bodyPr rot="0" spcFirstLastPara="0" vertOverflow="overflow" horzOverflow="overflow" vert="horz" wrap="square" lIns="91440" tIns="45720" rIns="91440" bIns="45720" numCol="1" spcCol="0" rtlCol="0" fromWordArt="0" anchor="ctr" anchorCtr="0" forceAA="0" compatLnSpc="1">
+                  <a:prstTxWarp prst="textNoShape">
+                    <a:avLst/>
+                  </a:prstTxWarp>
+                  <a:noAutofit/>
+                </a:bodyPr>
+                <a:lstStyle/>
+                <a:p>
+                  <a:pPr algn="ctr"/>
+                  <a:endParaRPr lang="ko-KR" altLang="en-US" sz="1600" dirty="0"/>
+                </a:p>
+              </p:txBody>
+            </p:sp>
+            <p:sp>
+              <p:nvSpPr>
+                <p:cNvPr id="153" name="TextBox 152"/>
+                <p:cNvSpPr txBox="1"/>
+                <p:nvPr/>
+              </p:nvSpPr>
+              <p:spPr>
+                <a:xfrm>
+                  <a:off x="299550" y="3619500"/>
+                  <a:ext cx="946093" cy="253916"/>
+                </a:xfrm>
+                <a:prstGeom prst="rect">
+                  <a:avLst/>
+                </a:prstGeom>
+                <a:noFill/>
+              </p:spPr>
+              <p:txBody>
+                <a:bodyPr wrap="none" rtlCol="0">
+                  <a:spAutoFit/>
+                </a:bodyPr>
+                <a:lstStyle/>
+                <a:p>
+                  <a:r>
+                    <a:rPr lang="en-US" altLang="ko-KR" sz="1050" dirty="0" err="1" smtClean="0"/>
+                    <a:t>git</a:t>
+                  </a:r>
+                  <a:r>
+                    <a:rPr lang="en-US" altLang="ko-KR" sz="1050" dirty="0" smtClean="0"/>
+                    <a:t> checkout</a:t>
+                  </a:r>
+                  <a:endParaRPr lang="ko-KR" altLang="en-US" sz="1050" dirty="0"/>
+                </a:p>
+              </p:txBody>
+            </p:sp>
+          </p:grpSp>
+          <p:grpSp>
+            <p:nvGrpSpPr>
+              <p:cNvPr id="159" name="그룹 158"/>
+              <p:cNvGrpSpPr/>
+              <p:nvPr/>
+            </p:nvGrpSpPr>
+            <p:grpSpPr>
+              <a:xfrm>
+                <a:off x="2851158" y="1318081"/>
+                <a:ext cx="1286461" cy="587291"/>
+                <a:chOff x="76201" y="3286125"/>
+                <a:chExt cx="1286461" cy="587291"/>
+              </a:xfrm>
+            </p:grpSpPr>
+            <p:sp>
+              <p:nvSpPr>
+                <p:cNvPr id="160" name="타원 159"/>
+                <p:cNvSpPr/>
+                <p:nvPr/>
+              </p:nvSpPr>
+              <p:spPr>
+                <a:xfrm>
+                  <a:off x="76201" y="3286125"/>
+                  <a:ext cx="419100" cy="419100"/>
+                </a:xfrm>
+                <a:prstGeom prst="ellipse">
+                  <a:avLst/>
+                </a:prstGeom>
+                <a:ln w="28575"/>
+              </p:spPr>
+              <p:style>
+                <a:lnRef idx="2">
+                  <a:schemeClr val="accent6"/>
+                </a:lnRef>
+                <a:fillRef idx="1">
+                  <a:schemeClr val="lt1"/>
+                </a:fillRef>
+                <a:effectRef idx="0">
+                  <a:schemeClr val="accent6"/>
+                </a:effectRef>
+                <a:fontRef idx="minor">
+                  <a:schemeClr val="dk1"/>
+                </a:fontRef>
+              </p:style>
+              <p:txBody>
+                <a:bodyPr rot="0" spcFirstLastPara="0" vertOverflow="overflow" horzOverflow="overflow" vert="horz" wrap="square" lIns="91440" tIns="45720" rIns="91440" bIns="45720" numCol="1" spcCol="0" rtlCol="0" fromWordArt="0" anchor="ctr" anchorCtr="0" forceAA="0" compatLnSpc="1">
+                  <a:prstTxWarp prst="textNoShape">
+                    <a:avLst/>
+                  </a:prstTxWarp>
+                  <a:noAutofit/>
+                </a:bodyPr>
+                <a:lstStyle/>
+                <a:p>
+                  <a:pPr algn="ctr"/>
+                  <a:endParaRPr lang="ko-KR" altLang="en-US" sz="1600" dirty="0"/>
+                </a:p>
+              </p:txBody>
+            </p:sp>
+            <p:sp>
+              <p:nvSpPr>
+                <p:cNvPr id="162" name="TextBox 161"/>
+                <p:cNvSpPr txBox="1"/>
+                <p:nvPr/>
+              </p:nvSpPr>
+              <p:spPr>
+                <a:xfrm>
+                  <a:off x="299550" y="3619500"/>
+                  <a:ext cx="1063112" cy="253916"/>
+                </a:xfrm>
+                <a:prstGeom prst="rect">
+                  <a:avLst/>
+                </a:prstGeom>
+                <a:noFill/>
+              </p:spPr>
+              <p:txBody>
+                <a:bodyPr wrap="none" rtlCol="0">
+                  <a:spAutoFit/>
+                </a:bodyPr>
+                <a:lstStyle/>
+                <a:p>
+                  <a:r>
+                    <a:rPr lang="en-US" altLang="ko-KR" sz="1050" dirty="0" smtClean="0"/>
+                    <a:t>Error handling</a:t>
+                  </a:r>
+                  <a:endParaRPr lang="ko-KR" altLang="en-US" sz="1050" dirty="0"/>
+                </a:p>
+              </p:txBody>
+            </p:sp>
+          </p:grpSp>
+          <p:cxnSp>
+            <p:nvCxnSpPr>
+              <p:cNvPr id="163" name="직선 화살표 연결선 162"/>
+              <p:cNvCxnSpPr>
+                <a:stCxn id="142" idx="2"/>
+                <a:endCxn id="137" idx="6"/>
+              </p:cNvCxnSpPr>
+              <p:nvPr/>
+            </p:nvCxnSpPr>
+            <p:spPr>
+              <a:xfrm flipH="1">
+                <a:off x="112907" y="1527631"/>
+                <a:ext cx="510381" cy="0"/>
+              </a:xfrm>
+              <a:prstGeom prst="straightConnector1">
+                <a:avLst/>
+              </a:prstGeom>
+              <a:ln w="19050">
+                <a:solidFill>
+                  <a:schemeClr val="accent6"/>
+                </a:solidFill>
+                <a:tailEnd type="triangle"/>
+              </a:ln>
+            </p:spPr>
+            <p:style>
+              <a:lnRef idx="1">
+                <a:schemeClr val="dk1"/>
+              </a:lnRef>
+              <a:fillRef idx="0">
+                <a:schemeClr val="dk1"/>
+              </a:fillRef>
+              <a:effectRef idx="0">
+                <a:schemeClr val="dk1"/>
+              </a:effectRef>
+              <a:fontRef idx="minor">
+                <a:schemeClr val="tx1"/>
+              </a:fontRef>
+            </p:style>
+          </p:cxnSp>
+          <p:cxnSp>
+            <p:nvCxnSpPr>
+              <p:cNvPr id="168" name="직선 화살표 연결선 167"/>
+              <p:cNvCxnSpPr>
+                <a:stCxn id="151" idx="2"/>
+                <a:endCxn id="142" idx="6"/>
+              </p:cNvCxnSpPr>
+              <p:nvPr/>
+            </p:nvCxnSpPr>
+            <p:spPr>
+              <a:xfrm flipH="1">
+                <a:off x="1042388" y="1527631"/>
+                <a:ext cx="650240" cy="0"/>
+              </a:xfrm>
+              <a:prstGeom prst="straightConnector1">
+                <a:avLst/>
+              </a:prstGeom>
+              <a:ln w="19050">
+                <a:solidFill>
+                  <a:schemeClr val="accent6"/>
+                </a:solidFill>
+                <a:tailEnd type="triangle"/>
+              </a:ln>
+            </p:spPr>
+            <p:style>
+              <a:lnRef idx="1">
+                <a:schemeClr val="dk1"/>
+              </a:lnRef>
+              <a:fillRef idx="0">
+                <a:schemeClr val="dk1"/>
+              </a:fillRef>
+              <a:effectRef idx="0">
+                <a:schemeClr val="dk1"/>
+              </a:effectRef>
+              <a:fontRef idx="minor">
+                <a:schemeClr val="tx1"/>
+              </a:fontRef>
+            </p:style>
+          </p:cxnSp>
+          <p:cxnSp>
+            <p:nvCxnSpPr>
+              <p:cNvPr id="169" name="직선 화살표 연결선 168"/>
+              <p:cNvCxnSpPr>
+                <a:stCxn id="160" idx="2"/>
+                <a:endCxn id="151" idx="6"/>
+              </p:cNvCxnSpPr>
+              <p:nvPr/>
+            </p:nvCxnSpPr>
+            <p:spPr>
+              <a:xfrm flipH="1">
+                <a:off x="2111728" y="1527631"/>
+                <a:ext cx="739430" cy="0"/>
+              </a:xfrm>
+              <a:prstGeom prst="straightConnector1">
+                <a:avLst/>
+              </a:prstGeom>
+              <a:ln w="19050">
+                <a:solidFill>
+                  <a:schemeClr val="accent6"/>
+                </a:solidFill>
+                <a:tailEnd type="triangle"/>
+              </a:ln>
+            </p:spPr>
+            <p:style>
+              <a:lnRef idx="1">
+                <a:schemeClr val="dk1"/>
+              </a:lnRef>
+              <a:fillRef idx="0">
+                <a:schemeClr val="dk1"/>
+              </a:fillRef>
+              <a:effectRef idx="0">
+                <a:schemeClr val="dk1"/>
+              </a:effectRef>
+              <a:fontRef idx="minor">
+                <a:schemeClr val="tx1"/>
+              </a:fontRef>
+            </p:style>
+          </p:cxnSp>
+          <p:cxnSp>
+            <p:nvCxnSpPr>
+              <p:cNvPr id="171" name="꺾인 연결선 170"/>
+              <p:cNvCxnSpPr>
+                <a:stCxn id="102" idx="4"/>
+                <a:endCxn id="12" idx="0"/>
+              </p:cNvCxnSpPr>
+              <p:nvPr/>
+            </p:nvCxnSpPr>
+            <p:spPr>
+              <a:xfrm rot="5400000">
+                <a:off x="3379910" y="1413899"/>
+                <a:ext cx="1371146" cy="2017711"/>
+              </a:xfrm>
+              <a:prstGeom prst="bentConnector3">
+                <a:avLst>
+                  <a:gd name="adj1" fmla="val 50000"/>
+                </a:avLst>
+              </a:prstGeom>
+              <a:ln w="28575">
+                <a:solidFill>
+                  <a:schemeClr val="accent5"/>
+                </a:solidFill>
+                <a:tailEnd type="triangle"/>
+              </a:ln>
+            </p:spPr>
+            <p:style>
+              <a:lnRef idx="1">
+                <a:schemeClr val="accent6"/>
+              </a:lnRef>
+              <a:fillRef idx="0">
+                <a:schemeClr val="accent6"/>
+              </a:fillRef>
+              <a:effectRef idx="0">
+                <a:schemeClr val="accent6"/>
+              </a:effectRef>
+              <a:fontRef idx="minor">
+                <a:schemeClr val="tx1"/>
+              </a:fontRef>
+            </p:style>
+          </p:cxnSp>
+          <p:grpSp>
+            <p:nvGrpSpPr>
+              <p:cNvPr id="172" name="그룹 171"/>
+              <p:cNvGrpSpPr/>
+              <p:nvPr/>
+            </p:nvGrpSpPr>
+            <p:grpSpPr>
+              <a:xfrm>
+                <a:off x="4864788" y="3108327"/>
+                <a:ext cx="831208" cy="594985"/>
+                <a:chOff x="76201" y="3286125"/>
+                <a:chExt cx="831208" cy="594985"/>
+              </a:xfrm>
+            </p:grpSpPr>
+            <p:sp>
+              <p:nvSpPr>
+                <p:cNvPr id="173" name="타원 172"/>
+                <p:cNvSpPr/>
+                <p:nvPr/>
+              </p:nvSpPr>
+              <p:spPr>
+                <a:xfrm>
+                  <a:off x="76201" y="3286125"/>
+                  <a:ext cx="419100" cy="419100"/>
+                </a:xfrm>
+                <a:prstGeom prst="ellipse">
+                  <a:avLst/>
+                </a:prstGeom>
+                <a:ln w="28575"/>
+              </p:spPr>
+              <p:style>
+                <a:lnRef idx="2">
+                  <a:schemeClr val="dk1"/>
+                </a:lnRef>
+                <a:fillRef idx="1">
+                  <a:schemeClr val="lt1"/>
+                </a:fillRef>
+                <a:effectRef idx="0">
+                  <a:schemeClr val="dk1"/>
+                </a:effectRef>
+                <a:fontRef idx="minor">
+                  <a:schemeClr val="dk1"/>
+                </a:fontRef>
+              </p:style>
+              <p:txBody>
+                <a:bodyPr rot="0" spcFirstLastPara="0" vertOverflow="overflow" horzOverflow="overflow" vert="horz" wrap="square" lIns="91440" tIns="45720" rIns="91440" bIns="45720" numCol="1" spcCol="0" rtlCol="0" fromWordArt="0" anchor="ctr" anchorCtr="0" forceAA="0" compatLnSpc="1">
+                  <a:prstTxWarp prst="textNoShape">
+                    <a:avLst/>
+                  </a:prstTxWarp>
+                  <a:noAutofit/>
+                </a:bodyPr>
+                <a:lstStyle/>
+                <a:p>
+                  <a:pPr algn="ctr"/>
+                  <a:r>
+                    <a:rPr lang="en-US" altLang="ko-KR" dirty="0" smtClean="0"/>
+                    <a:t>3</a:t>
+                  </a:r>
+                  <a:endParaRPr lang="ko-KR" altLang="en-US" dirty="0"/>
+                </a:p>
+              </p:txBody>
+            </p:sp>
+            <p:sp>
+              <p:nvSpPr>
+                <p:cNvPr id="178" name="TextBox 177"/>
+                <p:cNvSpPr txBox="1"/>
+                <p:nvPr/>
+              </p:nvSpPr>
+              <p:spPr>
+                <a:xfrm>
+                  <a:off x="299550" y="3619500"/>
+                  <a:ext cx="607859" cy="261610"/>
+                </a:xfrm>
+                <a:prstGeom prst="rect">
+                  <a:avLst/>
+                </a:prstGeom>
+                <a:noFill/>
+              </p:spPr>
+              <p:txBody>
+                <a:bodyPr wrap="none" rtlCol="0">
+                  <a:spAutoFit/>
+                </a:bodyPr>
+                <a:lstStyle/>
+                <a:p>
+                  <a:r>
+                    <a:rPr lang="en-US" altLang="ko-KR" sz="1100" dirty="0" err="1" smtClean="0"/>
+                    <a:t>git</a:t>
+                  </a:r>
+                  <a:r>
+                    <a:rPr lang="en-US" altLang="ko-KR" sz="1100" dirty="0" smtClean="0"/>
+                    <a:t> log</a:t>
+                  </a:r>
+                  <a:endParaRPr lang="ko-KR" altLang="en-US" sz="1100" dirty="0"/>
+                </a:p>
+              </p:txBody>
+            </p:sp>
+          </p:grpSp>
+          <p:cxnSp>
+            <p:nvCxnSpPr>
+              <p:cNvPr id="179" name="직선 화살표 연결선 178"/>
+              <p:cNvCxnSpPr>
+                <a:stCxn id="173" idx="2"/>
+                <a:endCxn id="12" idx="6"/>
+              </p:cNvCxnSpPr>
+              <p:nvPr/>
+            </p:nvCxnSpPr>
+            <p:spPr>
+              <a:xfrm flipH="1">
+                <a:off x="3266177" y="3317877"/>
+                <a:ext cx="1598611" cy="0"/>
+              </a:xfrm>
+              <a:prstGeom prst="straightConnector1">
+                <a:avLst/>
+              </a:prstGeom>
+              <a:ln w="19050">
+                <a:solidFill>
+                  <a:schemeClr val="tx1"/>
+                </a:solidFill>
+                <a:tailEnd type="triangle"/>
+              </a:ln>
+            </p:spPr>
+            <p:style>
+              <a:lnRef idx="1">
+                <a:schemeClr val="accent1"/>
+              </a:lnRef>
+              <a:fillRef idx="0">
+                <a:schemeClr val="accent1"/>
+              </a:fillRef>
+              <a:effectRef idx="0">
+                <a:schemeClr val="accent1"/>
+              </a:effectRef>
+              <a:fontRef idx="minor">
+                <a:schemeClr val="tx1"/>
+              </a:fontRef>
+            </p:style>
+          </p:cxnSp>
+          <p:cxnSp>
+            <p:nvCxnSpPr>
+              <p:cNvPr id="181" name="직선 화살표 연결선 180"/>
+              <p:cNvCxnSpPr>
+                <a:stCxn id="173" idx="4"/>
+                <a:endCxn id="99" idx="0"/>
+              </p:cNvCxnSpPr>
+              <p:nvPr/>
+            </p:nvCxnSpPr>
+            <p:spPr>
+              <a:xfrm>
+                <a:off x="5074338" y="3527427"/>
+                <a:ext cx="0" cy="650718"/>
+              </a:xfrm>
+              <a:prstGeom prst="straightConnector1">
+                <a:avLst/>
+              </a:prstGeom>
+              <a:ln w="19050">
+                <a:solidFill>
+                  <a:schemeClr val="tx1"/>
+                </a:solidFill>
+                <a:tailEnd type="triangle"/>
+              </a:ln>
+            </p:spPr>
+            <p:style>
+              <a:lnRef idx="1">
+                <a:schemeClr val="accent1"/>
+              </a:lnRef>
+              <a:fillRef idx="0">
+                <a:schemeClr val="accent1"/>
+              </a:fillRef>
+              <a:effectRef idx="0">
+                <a:schemeClr val="accent1"/>
+              </a:effectRef>
+              <a:fontRef idx="minor">
+                <a:schemeClr val="tx1"/>
+              </a:fontRef>
+            </p:style>
+          </p:cxnSp>
+          <p:grpSp>
+            <p:nvGrpSpPr>
+              <p:cNvPr id="182" name="그룹 181"/>
+              <p:cNvGrpSpPr/>
+              <p:nvPr/>
+            </p:nvGrpSpPr>
+            <p:grpSpPr>
+              <a:xfrm>
+                <a:off x="7245687" y="1318081"/>
+                <a:ext cx="1286461" cy="587291"/>
+                <a:chOff x="76201" y="3286125"/>
+                <a:chExt cx="1286461" cy="587291"/>
+              </a:xfrm>
+            </p:grpSpPr>
+            <p:sp>
+              <p:nvSpPr>
+                <p:cNvPr id="183" name="타원 182"/>
+                <p:cNvSpPr/>
+                <p:nvPr/>
+              </p:nvSpPr>
+              <p:spPr>
+                <a:xfrm>
+                  <a:off x="76201" y="3286125"/>
+                  <a:ext cx="419100" cy="419100"/>
+                </a:xfrm>
+                <a:prstGeom prst="ellipse">
+                  <a:avLst/>
+                </a:prstGeom>
+                <a:ln w="28575"/>
+              </p:spPr>
+              <p:style>
+                <a:lnRef idx="2">
+                  <a:schemeClr val="accent5"/>
+                </a:lnRef>
+                <a:fillRef idx="1">
+                  <a:schemeClr val="lt1"/>
+                </a:fillRef>
+                <a:effectRef idx="0">
+                  <a:schemeClr val="accent5"/>
+                </a:effectRef>
+                <a:fontRef idx="minor">
+                  <a:schemeClr val="dk1"/>
+                </a:fontRef>
+              </p:style>
+              <p:txBody>
+                <a:bodyPr rot="0" spcFirstLastPara="0" vertOverflow="overflow" horzOverflow="overflow" vert="horz" wrap="square" lIns="91440" tIns="45720" rIns="91440" bIns="45720" numCol="1" spcCol="0" rtlCol="0" fromWordArt="0" anchor="ctr" anchorCtr="0" forceAA="0" compatLnSpc="1">
+                  <a:prstTxWarp prst="textNoShape">
+                    <a:avLst/>
+                  </a:prstTxWarp>
+                  <a:noAutofit/>
+                </a:bodyPr>
+                <a:lstStyle/>
+                <a:p>
+                  <a:pPr algn="ctr"/>
+                  <a:endParaRPr lang="ko-KR" altLang="en-US" sz="1600" dirty="0"/>
+                </a:p>
+              </p:txBody>
+            </p:sp>
+            <p:sp>
+              <p:nvSpPr>
+                <p:cNvPr id="184" name="TextBox 183"/>
+                <p:cNvSpPr txBox="1"/>
+                <p:nvPr/>
+              </p:nvSpPr>
+              <p:spPr>
+                <a:xfrm>
+                  <a:off x="299550" y="3619500"/>
+                  <a:ext cx="1063112" cy="253916"/>
+                </a:xfrm>
+                <a:prstGeom prst="rect">
+                  <a:avLst/>
+                </a:prstGeom>
+                <a:noFill/>
+              </p:spPr>
+              <p:txBody>
+                <a:bodyPr wrap="none" rtlCol="0">
+                  <a:spAutoFit/>
+                </a:bodyPr>
+                <a:lstStyle/>
+                <a:p>
+                  <a:r>
+                    <a:rPr lang="en-US" altLang="ko-KR" sz="1050" dirty="0" smtClean="0"/>
+                    <a:t>Error handling</a:t>
+                  </a:r>
+                  <a:endParaRPr lang="ko-KR" altLang="en-US" sz="1050" dirty="0"/>
+                </a:p>
+              </p:txBody>
+            </p:sp>
+          </p:grpSp>
+          <p:grpSp>
+            <p:nvGrpSpPr>
+              <p:cNvPr id="202" name="그룹 201"/>
+              <p:cNvGrpSpPr/>
+              <p:nvPr/>
+            </p:nvGrpSpPr>
+            <p:grpSpPr>
+              <a:xfrm>
+                <a:off x="7242818" y="3108327"/>
+                <a:ext cx="1034790" cy="594985"/>
+                <a:chOff x="76201" y="3286125"/>
+                <a:chExt cx="1034790" cy="594985"/>
+              </a:xfrm>
+            </p:grpSpPr>
+            <p:sp>
+              <p:nvSpPr>
+                <p:cNvPr id="203" name="타원 202"/>
+                <p:cNvSpPr/>
+                <p:nvPr/>
+              </p:nvSpPr>
+              <p:spPr>
+                <a:xfrm>
+                  <a:off x="76201" y="3286125"/>
+                  <a:ext cx="419100" cy="419100"/>
+                </a:xfrm>
+                <a:prstGeom prst="ellipse">
+                  <a:avLst/>
+                </a:prstGeom>
+                <a:ln w="28575"/>
+              </p:spPr>
+              <p:style>
+                <a:lnRef idx="2">
+                  <a:schemeClr val="dk1"/>
+                </a:lnRef>
+                <a:fillRef idx="1">
+                  <a:schemeClr val="lt1"/>
+                </a:fillRef>
+                <a:effectRef idx="0">
+                  <a:schemeClr val="dk1"/>
+                </a:effectRef>
+                <a:fontRef idx="minor">
+                  <a:schemeClr val="dk1"/>
+                </a:fontRef>
+              </p:style>
+              <p:txBody>
+                <a:bodyPr rot="0" spcFirstLastPara="0" vertOverflow="overflow" horzOverflow="overflow" vert="horz" wrap="square" lIns="91440" tIns="45720" rIns="91440" bIns="45720" numCol="1" spcCol="0" rtlCol="0" fromWordArt="0" anchor="ctr" anchorCtr="0" forceAA="0" compatLnSpc="1">
+                  <a:prstTxWarp prst="textNoShape">
+                    <a:avLst/>
+                  </a:prstTxWarp>
+                  <a:noAutofit/>
+                </a:bodyPr>
+                <a:lstStyle/>
+                <a:p>
+                  <a:pPr algn="ctr"/>
+                  <a:r>
+                    <a:rPr lang="en-US" altLang="ko-KR" dirty="0" smtClean="0"/>
+                    <a:t>4</a:t>
+                  </a:r>
+                  <a:endParaRPr lang="ko-KR" altLang="en-US" dirty="0"/>
+                </a:p>
+              </p:txBody>
+            </p:sp>
+            <p:sp>
+              <p:nvSpPr>
+                <p:cNvPr id="204" name="TextBox 203"/>
+                <p:cNvSpPr txBox="1"/>
+                <p:nvPr/>
+              </p:nvSpPr>
+              <p:spPr>
+                <a:xfrm>
+                  <a:off x="299550" y="3619500"/>
+                  <a:ext cx="811441" cy="261610"/>
+                </a:xfrm>
+                <a:prstGeom prst="rect">
+                  <a:avLst/>
+                </a:prstGeom>
+                <a:noFill/>
+              </p:spPr>
+              <p:txBody>
+                <a:bodyPr wrap="none" rtlCol="0">
+                  <a:spAutoFit/>
+                </a:bodyPr>
+                <a:lstStyle/>
+                <a:p>
+                  <a:r>
+                    <a:rPr lang="en-US" altLang="ko-KR" sz="1100" dirty="0" err="1" smtClean="0"/>
+                    <a:t>git</a:t>
+                  </a:r>
+                  <a:r>
+                    <a:rPr lang="en-US" altLang="ko-KR" sz="1100" dirty="0" smtClean="0"/>
+                    <a:t> merge</a:t>
+                  </a:r>
+                  <a:endParaRPr lang="ko-KR" altLang="en-US" sz="1100" dirty="0"/>
+                </a:p>
+              </p:txBody>
+            </p:sp>
+          </p:grpSp>
+          <p:cxnSp>
+            <p:nvCxnSpPr>
+              <p:cNvPr id="205" name="직선 화살표 연결선 204"/>
+              <p:cNvCxnSpPr>
+                <a:stCxn id="203" idx="2"/>
+                <a:endCxn id="173" idx="6"/>
+              </p:cNvCxnSpPr>
+              <p:nvPr/>
+            </p:nvCxnSpPr>
+            <p:spPr>
+              <a:xfrm flipH="1">
+                <a:off x="5283888" y="3317877"/>
+                <a:ext cx="1958930" cy="0"/>
+              </a:xfrm>
+              <a:prstGeom prst="straightConnector1">
+                <a:avLst/>
+              </a:prstGeom>
+              <a:ln w="19050">
+                <a:solidFill>
+                  <a:schemeClr val="tx1"/>
+                </a:solidFill>
+                <a:tailEnd type="triangle"/>
+              </a:ln>
+            </p:spPr>
+            <p:style>
+              <a:lnRef idx="1">
+                <a:schemeClr val="accent1"/>
+              </a:lnRef>
+              <a:fillRef idx="0">
+                <a:schemeClr val="accent1"/>
+              </a:fillRef>
+              <a:effectRef idx="0">
+                <a:schemeClr val="accent1"/>
+              </a:effectRef>
+              <a:fontRef idx="minor">
+                <a:schemeClr val="tx1"/>
+              </a:fontRef>
+            </p:style>
+          </p:cxnSp>
+          <p:cxnSp>
+            <p:nvCxnSpPr>
+              <p:cNvPr id="210" name="직선 화살표 연결선 209"/>
+              <p:cNvCxnSpPr>
+                <a:stCxn id="183" idx="2"/>
+                <a:endCxn id="102" idx="6"/>
+              </p:cNvCxnSpPr>
+              <p:nvPr/>
+            </p:nvCxnSpPr>
+            <p:spPr>
+              <a:xfrm flipH="1">
+                <a:off x="5283888" y="1527631"/>
+                <a:ext cx="1961799" cy="0"/>
+              </a:xfrm>
+              <a:prstGeom prst="straightConnector1">
+                <a:avLst/>
+              </a:prstGeom>
+              <a:ln w="19050">
+                <a:solidFill>
+                  <a:schemeClr val="accent5"/>
+                </a:solidFill>
+                <a:tailEnd type="triangle"/>
+              </a:ln>
+            </p:spPr>
+            <p:style>
+              <a:lnRef idx="1">
+                <a:schemeClr val="dk1"/>
+              </a:lnRef>
+              <a:fillRef idx="0">
+                <a:schemeClr val="dk1"/>
+              </a:fillRef>
+              <a:effectRef idx="0">
+                <a:schemeClr val="dk1"/>
+              </a:effectRef>
+              <a:fontRef idx="minor">
+                <a:schemeClr val="tx1"/>
+              </a:fontRef>
+            </p:style>
+          </p:cxnSp>
+          <p:cxnSp>
+            <p:nvCxnSpPr>
+              <p:cNvPr id="211" name="직선 화살표 연결선 210"/>
+              <p:cNvCxnSpPr>
+                <a:stCxn id="203" idx="0"/>
+                <a:endCxn id="183" idx="4"/>
+              </p:cNvCxnSpPr>
+              <p:nvPr/>
+            </p:nvCxnSpPr>
+            <p:spPr>
+              <a:xfrm flipV="1">
+                <a:off x="7452368" y="1737181"/>
+                <a:ext cx="2869" cy="1371146"/>
+              </a:xfrm>
+              <a:prstGeom prst="straightConnector1">
+                <a:avLst/>
+              </a:prstGeom>
+              <a:ln w="19050">
+                <a:solidFill>
+                  <a:schemeClr val="accent5"/>
+                </a:solidFill>
+                <a:tailEnd type="triangle"/>
+              </a:ln>
+            </p:spPr>
+            <p:style>
+              <a:lnRef idx="1">
+                <a:schemeClr val="dk1"/>
+              </a:lnRef>
+              <a:fillRef idx="0">
+                <a:schemeClr val="dk1"/>
+              </a:fillRef>
+              <a:effectRef idx="0">
+                <a:schemeClr val="dk1"/>
+              </a:effectRef>
+              <a:fontRef idx="minor">
+                <a:schemeClr val="tx1"/>
+              </a:fontRef>
+            </p:style>
+          </p:cxnSp>
+          <p:grpSp>
+            <p:nvGrpSpPr>
+              <p:cNvPr id="220" name="그룹 219"/>
+              <p:cNvGrpSpPr/>
+              <p:nvPr/>
+            </p:nvGrpSpPr>
+            <p:grpSpPr>
+              <a:xfrm>
+                <a:off x="9990180" y="3108327"/>
+                <a:ext cx="1225546" cy="594985"/>
+                <a:chOff x="76201" y="3286125"/>
+                <a:chExt cx="1225546" cy="594985"/>
+              </a:xfrm>
+            </p:grpSpPr>
+            <p:sp>
+              <p:nvSpPr>
+                <p:cNvPr id="221" name="타원 220"/>
+                <p:cNvSpPr/>
+                <p:nvPr/>
+              </p:nvSpPr>
+              <p:spPr>
+                <a:xfrm>
+                  <a:off x="76201" y="3286125"/>
+                  <a:ext cx="419100" cy="419100"/>
+                </a:xfrm>
+                <a:prstGeom prst="ellipse">
+                  <a:avLst/>
+                </a:prstGeom>
+                <a:ln w="28575"/>
+              </p:spPr>
+              <p:style>
+                <a:lnRef idx="2">
+                  <a:schemeClr val="dk1"/>
+                </a:lnRef>
+                <a:fillRef idx="1">
+                  <a:schemeClr val="lt1"/>
+                </a:fillRef>
+                <a:effectRef idx="0">
+                  <a:schemeClr val="dk1"/>
+                </a:effectRef>
+                <a:fontRef idx="minor">
+                  <a:schemeClr val="dk1"/>
+                </a:fontRef>
+              </p:style>
+              <p:txBody>
+                <a:bodyPr rot="0" spcFirstLastPara="0" vertOverflow="overflow" horzOverflow="overflow" vert="horz" wrap="square" lIns="91440" tIns="45720" rIns="91440" bIns="45720" numCol="1" spcCol="0" rtlCol="0" fromWordArt="0" anchor="ctr" anchorCtr="0" forceAA="0" compatLnSpc="1">
+                  <a:prstTxWarp prst="textNoShape">
+                    <a:avLst/>
+                  </a:prstTxWarp>
+                  <a:noAutofit/>
+                </a:bodyPr>
+                <a:lstStyle/>
+                <a:p>
+                  <a:pPr algn="ctr"/>
+                  <a:r>
+                    <a:rPr lang="en-US" altLang="ko-KR" dirty="0" smtClean="0"/>
+                    <a:t>5</a:t>
+                  </a:r>
+                  <a:endParaRPr lang="ko-KR" altLang="en-US" dirty="0"/>
+                </a:p>
+              </p:txBody>
+            </p:sp>
+            <p:sp>
+              <p:nvSpPr>
+                <p:cNvPr id="222" name="TextBox 221"/>
+                <p:cNvSpPr txBox="1"/>
+                <p:nvPr/>
+              </p:nvSpPr>
+              <p:spPr>
+                <a:xfrm>
+                  <a:off x="299550" y="3619500"/>
+                  <a:ext cx="1002197" cy="261610"/>
+                </a:xfrm>
+                <a:prstGeom prst="rect">
+                  <a:avLst/>
+                </a:prstGeom>
+                <a:noFill/>
+              </p:spPr>
+              <p:txBody>
+                <a:bodyPr wrap="none" rtlCol="0">
+                  <a:spAutoFit/>
+                </a:bodyPr>
+                <a:lstStyle/>
+                <a:p>
+                  <a:r>
+                    <a:rPr lang="en-US" altLang="ko-KR" sz="1100" dirty="0" smtClean="0"/>
+                    <a:t>maintenance</a:t>
+                  </a:r>
+                  <a:endParaRPr lang="ko-KR" altLang="en-US" sz="1100" dirty="0"/>
+                </a:p>
+              </p:txBody>
+            </p:sp>
+          </p:grpSp>
+          <p:grpSp>
+            <p:nvGrpSpPr>
+              <p:cNvPr id="226" name="그룹 225"/>
+              <p:cNvGrpSpPr/>
+              <p:nvPr/>
+            </p:nvGrpSpPr>
+            <p:grpSpPr>
+              <a:xfrm>
+                <a:off x="8507621" y="4170451"/>
+                <a:ext cx="1259210" cy="594985"/>
+                <a:chOff x="76201" y="3286125"/>
+                <a:chExt cx="1259210" cy="594985"/>
+              </a:xfrm>
+            </p:grpSpPr>
+            <p:sp>
+              <p:nvSpPr>
+                <p:cNvPr id="227" name="타원 226"/>
+                <p:cNvSpPr/>
+                <p:nvPr/>
+              </p:nvSpPr>
+              <p:spPr>
+                <a:xfrm>
+                  <a:off x="76201" y="3286125"/>
+                  <a:ext cx="419100" cy="419100"/>
+                </a:xfrm>
+                <a:prstGeom prst="ellipse">
+                  <a:avLst/>
+                </a:prstGeom>
+                <a:ln/>
+              </p:spPr>
+              <p:style>
+                <a:lnRef idx="1">
+                  <a:schemeClr val="dk1"/>
+                </a:lnRef>
+                <a:fillRef idx="2">
+                  <a:schemeClr val="dk1"/>
+                </a:fillRef>
+                <a:effectRef idx="1">
+                  <a:schemeClr val="dk1"/>
+                </a:effectRef>
+                <a:fontRef idx="minor">
+                  <a:schemeClr val="dk1"/>
+                </a:fontRef>
+              </p:style>
+              <p:txBody>
+                <a:bodyPr rot="0" spcFirstLastPara="0" vertOverflow="overflow" horzOverflow="overflow" vert="horz" wrap="square" lIns="91440" tIns="45720" rIns="91440" bIns="45720" numCol="1" spcCol="0" rtlCol="0" fromWordArt="0" anchor="ctr" anchorCtr="0" forceAA="0" compatLnSpc="1">
+                  <a:prstTxWarp prst="textNoShape">
+                    <a:avLst/>
+                  </a:prstTxWarp>
+                  <a:noAutofit/>
+                </a:bodyPr>
+                <a:lstStyle/>
+                <a:p>
+                  <a:pPr algn="ctr"/>
+                  <a:endParaRPr lang="ko-KR" altLang="en-US" dirty="0"/>
+                </a:p>
+              </p:txBody>
+            </p:sp>
+            <p:sp>
+              <p:nvSpPr>
+                <p:cNvPr id="228" name="TextBox 227"/>
+                <p:cNvSpPr txBox="1"/>
+                <p:nvPr/>
+              </p:nvSpPr>
+              <p:spPr>
+                <a:xfrm>
+                  <a:off x="299550" y="3619500"/>
+                  <a:ext cx="1035861" cy="261610"/>
+                </a:xfrm>
+                <a:prstGeom prst="rect">
+                  <a:avLst/>
+                </a:prstGeom>
+                <a:noFill/>
+              </p:spPr>
+              <p:txBody>
+                <a:bodyPr wrap="none" rtlCol="0">
+                  <a:spAutoFit/>
+                </a:bodyPr>
+                <a:lstStyle/>
+                <a:p>
+                  <a:r>
+                    <a:rPr lang="en-US" altLang="ko-KR" sz="1100" dirty="0" smtClean="0"/>
+                    <a:t>README edit</a:t>
+                  </a:r>
+                  <a:endParaRPr lang="ko-KR" altLang="en-US" sz="1100" dirty="0"/>
+                </a:p>
+              </p:txBody>
+            </p:sp>
+          </p:grpSp>
+          <p:grpSp>
+            <p:nvGrpSpPr>
+              <p:cNvPr id="229" name="그룹 228"/>
+              <p:cNvGrpSpPr/>
+              <p:nvPr/>
+            </p:nvGrpSpPr>
+            <p:grpSpPr>
+              <a:xfrm>
+                <a:off x="9990180" y="4170451"/>
+                <a:ext cx="1332948" cy="594985"/>
+                <a:chOff x="76201" y="3286125"/>
+                <a:chExt cx="1332948" cy="594985"/>
+              </a:xfrm>
+            </p:grpSpPr>
+            <p:sp>
+              <p:nvSpPr>
+                <p:cNvPr id="230" name="타원 229"/>
+                <p:cNvSpPr/>
+                <p:nvPr/>
+              </p:nvSpPr>
+              <p:spPr>
+                <a:xfrm>
+                  <a:off x="76201" y="3286125"/>
+                  <a:ext cx="419100" cy="419100"/>
+                </a:xfrm>
+                <a:prstGeom prst="ellipse">
+                  <a:avLst/>
+                </a:prstGeom>
+                <a:ln/>
+              </p:spPr>
+              <p:style>
+                <a:lnRef idx="1">
+                  <a:schemeClr val="dk1"/>
+                </a:lnRef>
+                <a:fillRef idx="2">
+                  <a:schemeClr val="dk1"/>
+                </a:fillRef>
+                <a:effectRef idx="1">
+                  <a:schemeClr val="dk1"/>
+                </a:effectRef>
+                <a:fontRef idx="minor">
+                  <a:schemeClr val="dk1"/>
+                </a:fontRef>
+              </p:style>
+              <p:txBody>
+                <a:bodyPr rot="0" spcFirstLastPara="0" vertOverflow="overflow" horzOverflow="overflow" vert="horz" wrap="square" lIns="91440" tIns="45720" rIns="91440" bIns="45720" numCol="1" spcCol="0" rtlCol="0" fromWordArt="0" anchor="ctr" anchorCtr="0" forceAA="0" compatLnSpc="1">
+                  <a:prstTxWarp prst="textNoShape">
+                    <a:avLst/>
+                  </a:prstTxWarp>
+                  <a:noAutofit/>
+                </a:bodyPr>
+                <a:lstStyle/>
+                <a:p>
+                  <a:pPr algn="ctr"/>
+                  <a:endParaRPr lang="ko-KR" altLang="en-US" dirty="0"/>
+                </a:p>
+              </p:txBody>
+            </p:sp>
+            <p:sp>
+              <p:nvSpPr>
+                <p:cNvPr id="231" name="TextBox 230"/>
+                <p:cNvSpPr txBox="1"/>
+                <p:nvPr/>
+              </p:nvSpPr>
+              <p:spPr>
+                <a:xfrm>
+                  <a:off x="299550" y="3619500"/>
+                  <a:ext cx="1109599" cy="261610"/>
+                </a:xfrm>
+                <a:prstGeom prst="rect">
+                  <a:avLst/>
+                </a:prstGeom>
+                <a:noFill/>
+              </p:spPr>
+              <p:txBody>
+                <a:bodyPr wrap="none" rtlCol="0">
+                  <a:spAutoFit/>
+                </a:bodyPr>
+                <a:lstStyle/>
+                <a:p>
+                  <a:r>
+                    <a:rPr lang="en-US" altLang="ko-KR" sz="1100" dirty="0" smtClean="0"/>
+                    <a:t>Report upload</a:t>
+                  </a:r>
+                  <a:endParaRPr lang="ko-KR" altLang="en-US" sz="1100" dirty="0"/>
+                </a:p>
+              </p:txBody>
+            </p:sp>
+          </p:grpSp>
+          <p:cxnSp>
+            <p:nvCxnSpPr>
+              <p:cNvPr id="232" name="직선 화살표 연결선 231"/>
+              <p:cNvCxnSpPr>
+                <a:stCxn id="195" idx="0"/>
+                <a:endCxn id="203" idx="4"/>
+              </p:cNvCxnSpPr>
+              <p:nvPr/>
+            </p:nvCxnSpPr>
+            <p:spPr>
+              <a:xfrm flipH="1" flipV="1">
+                <a:off x="7452368" y="3527427"/>
+                <a:ext cx="2869" cy="643024"/>
+              </a:xfrm>
+              <a:prstGeom prst="straightConnector1">
+                <a:avLst/>
+              </a:prstGeom>
+              <a:ln w="19050">
+                <a:tailEnd type="triangle"/>
+              </a:ln>
+            </p:spPr>
+            <p:style>
+              <a:lnRef idx="1">
+                <a:schemeClr val="dk1"/>
+              </a:lnRef>
+              <a:fillRef idx="0">
+                <a:schemeClr val="dk1"/>
+              </a:fillRef>
+              <a:effectRef idx="0">
+                <a:schemeClr val="dk1"/>
+              </a:effectRef>
+              <a:fontRef idx="minor">
+                <a:schemeClr val="tx1"/>
+              </a:fontRef>
+            </p:style>
+          </p:cxnSp>
+          <p:cxnSp>
+            <p:nvCxnSpPr>
+              <p:cNvPr id="233" name="직선 화살표 연결선 232"/>
+              <p:cNvCxnSpPr>
+                <a:stCxn id="221" idx="4"/>
+                <a:endCxn id="230" idx="0"/>
+              </p:cNvCxnSpPr>
+              <p:nvPr/>
+            </p:nvCxnSpPr>
+            <p:spPr>
+              <a:xfrm>
+                <a:off x="10199730" y="3527427"/>
+                <a:ext cx="0" cy="643024"/>
+              </a:xfrm>
+              <a:prstGeom prst="straightConnector1">
+                <a:avLst/>
+              </a:prstGeom>
+              <a:ln w="19050">
+                <a:tailEnd type="triangle"/>
+              </a:ln>
+            </p:spPr>
+            <p:style>
+              <a:lnRef idx="1">
+                <a:schemeClr val="dk1"/>
+              </a:lnRef>
+              <a:fillRef idx="0">
+                <a:schemeClr val="dk1"/>
+              </a:fillRef>
+              <a:effectRef idx="0">
+                <a:schemeClr val="dk1"/>
+              </a:effectRef>
+              <a:fontRef idx="minor">
+                <a:schemeClr val="tx1"/>
+              </a:fontRef>
+            </p:style>
+          </p:cxnSp>
+          <p:cxnSp>
+            <p:nvCxnSpPr>
+              <p:cNvPr id="234" name="직선 화살표 연결선 233"/>
+              <p:cNvCxnSpPr>
+                <a:stCxn id="227" idx="2"/>
+                <a:endCxn id="195" idx="6"/>
+              </p:cNvCxnSpPr>
+              <p:nvPr/>
+            </p:nvCxnSpPr>
+            <p:spPr>
+              <a:xfrm flipH="1">
+                <a:off x="7664787" y="4380001"/>
+                <a:ext cx="842834" cy="0"/>
+              </a:xfrm>
+              <a:prstGeom prst="straightConnector1">
+                <a:avLst/>
+              </a:prstGeom>
+              <a:ln w="19050">
+                <a:tailEnd type="triangle"/>
+              </a:ln>
+            </p:spPr>
+            <p:style>
+              <a:lnRef idx="1">
+                <a:schemeClr val="dk1"/>
+              </a:lnRef>
+              <a:fillRef idx="0">
+                <a:schemeClr val="dk1"/>
+              </a:fillRef>
+              <a:effectRef idx="0">
+                <a:schemeClr val="dk1"/>
+              </a:effectRef>
+              <a:fontRef idx="minor">
+                <a:schemeClr val="tx1"/>
+              </a:fontRef>
+            </p:style>
+          </p:cxnSp>
+          <p:cxnSp>
+            <p:nvCxnSpPr>
+              <p:cNvPr id="235" name="직선 화살표 연결선 234"/>
+              <p:cNvCxnSpPr>
+                <a:stCxn id="230" idx="2"/>
+                <a:endCxn id="227" idx="6"/>
+              </p:cNvCxnSpPr>
+              <p:nvPr/>
+            </p:nvCxnSpPr>
+            <p:spPr>
+              <a:xfrm flipH="1">
+                <a:off x="8926721" y="4380001"/>
+                <a:ext cx="1063459" cy="0"/>
+              </a:xfrm>
+              <a:prstGeom prst="straightConnector1">
+                <a:avLst/>
+              </a:prstGeom>
+              <a:ln w="19050">
+                <a:tailEnd type="triangle"/>
+              </a:ln>
+            </p:spPr>
+            <p:style>
+              <a:lnRef idx="1">
+                <a:schemeClr val="dk1"/>
+              </a:lnRef>
+              <a:fillRef idx="0">
+                <a:schemeClr val="dk1"/>
+              </a:fillRef>
+              <a:effectRef idx="0">
+                <a:schemeClr val="dk1"/>
+              </a:effectRef>
+              <a:fontRef idx="minor">
+                <a:schemeClr val="tx1"/>
+              </a:fontRef>
+            </p:style>
+          </p:cxnSp>
+        </p:grpSp>
+      </p:grpSp>
+    </p:spTree>
+    <p:extLst>
+      <p:ext uri="{BB962C8B-B14F-4D97-AF65-F5344CB8AC3E}">
+        <p14:creationId xmlns:p14="http://schemas.microsoft.com/office/powerpoint/2010/main" val="939313951"/>
+      </p:ext>
+    </p:extLst>
+  </p:cSld>
+  <p:clrMapOvr>
+    <a:masterClrMapping/>
+  </p:clrMapOvr>
+</p:sld>
+</file>
+
 <file path=ppt/theme/theme1.xml><?xml version="1.0" encoding="utf-8"?>
 <a:theme xmlns:a="http://schemas.openxmlformats.org/drawingml/2006/main" name="Office 테마">
   <a:themeElements>
